--- a/figures/performance_H2F/H2F-Q1-Disease-Surv-CI.pptx
+++ b/figures/performance_H2F/H2F-Q1-Disease-Surv-CI.pptx
@@ -4476,6 +4476,114 @@
           </a:fontRef>
         </p:style>
       </p:cxnSp>
+      <p:sp>
+        <p:nvSpPr>
+          <p:cNvPr id="41" name="Rectangle 40">
+            <a:extLst>
+              <a:ext uri="{FF2B5EF4-FFF2-40B4-BE49-F238E27FC236}">
+                <a16:creationId xmlns:a16="http://schemas.microsoft.com/office/drawing/2014/main" id="{09EAA426-F0E6-187D-D69E-E50BA8EA40D8}"/>
+              </a:ext>
+            </a:extLst>
+          </p:cNvPr>
+          <p:cNvSpPr/>
+          <p:nvPr/>
+        </p:nvSpPr>
+        <p:spPr>
+          <a:xfrm>
+            <a:off x="297180" y="3546389"/>
+            <a:ext cx="297181" cy="343232"/>
+          </a:xfrm>
+          <a:prstGeom prst="rect">
+            <a:avLst/>
+          </a:prstGeom>
+          <a:solidFill>
+            <a:schemeClr val="bg1"/>
+          </a:solidFill>
+          <a:ln>
+            <a:solidFill>
+              <a:schemeClr val="bg1"/>
+            </a:solidFill>
+          </a:ln>
+        </p:spPr>
+        <p:style>
+          <a:lnRef idx="2">
+            <a:schemeClr val="accent1">
+              <a:shade val="15000"/>
+            </a:schemeClr>
+          </a:lnRef>
+          <a:fillRef idx="1">
+            <a:schemeClr val="accent1"/>
+          </a:fillRef>
+          <a:effectRef idx="0">
+            <a:schemeClr val="accent1"/>
+          </a:effectRef>
+          <a:fontRef idx="minor">
+            <a:schemeClr val="lt1"/>
+          </a:fontRef>
+        </p:style>
+        <p:txBody>
+          <a:bodyPr rtlCol="0" anchor="ctr"/>
+          <a:lstStyle/>
+          <a:p>
+            <a:pPr algn="ctr"/>
+            <a:endParaRPr lang="en-US"/>
+          </a:p>
+        </p:txBody>
+      </p:sp>
+      <p:sp>
+        <p:nvSpPr>
+          <p:cNvPr id="42" name="Rectangle 41">
+            <a:extLst>
+              <a:ext uri="{FF2B5EF4-FFF2-40B4-BE49-F238E27FC236}">
+                <a16:creationId xmlns:a16="http://schemas.microsoft.com/office/drawing/2014/main" id="{9A58DC2D-4383-7308-9478-53E5352BA698}"/>
+              </a:ext>
+            </a:extLst>
+          </p:cNvPr>
+          <p:cNvSpPr/>
+          <p:nvPr/>
+        </p:nvSpPr>
+        <p:spPr>
+          <a:xfrm>
+            <a:off x="4990290" y="3546389"/>
+            <a:ext cx="334248" cy="343232"/>
+          </a:xfrm>
+          <a:prstGeom prst="rect">
+            <a:avLst/>
+          </a:prstGeom>
+          <a:solidFill>
+            <a:schemeClr val="bg1"/>
+          </a:solidFill>
+          <a:ln>
+            <a:solidFill>
+              <a:schemeClr val="bg1"/>
+            </a:solidFill>
+          </a:ln>
+        </p:spPr>
+        <p:style>
+          <a:lnRef idx="2">
+            <a:schemeClr val="accent1">
+              <a:shade val="15000"/>
+            </a:schemeClr>
+          </a:lnRef>
+          <a:fillRef idx="1">
+            <a:schemeClr val="accent1"/>
+          </a:fillRef>
+          <a:effectRef idx="0">
+            <a:schemeClr val="accent1"/>
+          </a:effectRef>
+          <a:fontRef idx="minor">
+            <a:schemeClr val="lt1"/>
+          </a:fontRef>
+        </p:style>
+        <p:txBody>
+          <a:bodyPr rtlCol="0" anchor="ctr"/>
+          <a:lstStyle/>
+          <a:p>
+            <a:pPr algn="ctr"/>
+            <a:endParaRPr lang="en-US"/>
+          </a:p>
+        </p:txBody>
+      </p:sp>
     </p:spTree>
     <p:extLst>
       <p:ext uri="{BB962C8B-B14F-4D97-AF65-F5344CB8AC3E}">

--- a/figures/performance_H2F/H2F-Q1-Disease-Surv-CI.pptx
+++ b/figures/performance_H2F/H2F-Q1-Disease-Surv-CI.pptx
@@ -2,7 +2,7 @@
 <file path=ppt/presentation.xml><?xml version="1.0" encoding="utf-8"?>
 <p:presentation xmlns:a="http://schemas.openxmlformats.org/drawingml/2006/main" xmlns:r="http://schemas.openxmlformats.org/officeDocument/2006/relationships" xmlns:p="http://schemas.openxmlformats.org/presentationml/2006/main" saveSubsetFonts="1" autoCompressPictures="0">
   <p:sldMasterIdLst>
-    <p:sldMasterId id="2147483660" r:id="rId1"/>
+    <p:sldMasterId id="2147483708" r:id="rId1"/>
   </p:sldMasterIdLst>
   <p:notesMasterIdLst>
     <p:notesMasterId r:id="rId3"/>
@@ -10,7 +10,7 @@
   <p:sldIdLst>
     <p:sldId id="256" r:id="rId2"/>
   </p:sldIdLst>
-  <p:sldSz cx="10972800" cy="7315200"/>
+  <p:sldSz cx="5486400" cy="11887200"/>
   <p:notesSz cx="6858000" cy="9144000"/>
   <p:defaultTextStyle>
     <a:defPPr>
@@ -197,7 +197,7 @@
           <a:p>
             <a:fld id="{D5B446E7-68B8-DF4F-8F22-441FE35205AD}" type="datetimeFigureOut">
               <a:rPr lang="en-US" smtClean="0"/>
-              <a:t>9/3/25</a:t>
+              <a:t>11/2/25</a:t>
             </a:fld>
             <a:endParaRPr lang="en-US"/>
           </a:p>
@@ -215,8 +215,8 @@
         </p:nvSpPr>
         <p:spPr>
           <a:xfrm>
-            <a:off x="1114425" y="1143000"/>
-            <a:ext cx="4629150" cy="3086100"/>
+            <a:off x="2716213" y="1143000"/>
+            <a:ext cx="1425575" cy="3086100"/>
           </a:xfrm>
           <a:prstGeom prst="rect">
             <a:avLst/>
@@ -491,7 +491,12 @@
             <p:ph type="sldImg"/>
           </p:nvPr>
         </p:nvSpPr>
-        <p:spPr/>
+        <p:spPr>
+          <a:xfrm>
+            <a:off x="2716213" y="1143000"/>
+            <a:ext cx="1425575" cy="3086100"/>
+          </a:xfrm>
+        </p:spPr>
       </p:sp>
       <p:sp>
         <p:nvSpPr>
@@ -577,15 +582,15 @@
         </p:nvSpPr>
         <p:spPr>
           <a:xfrm>
-            <a:off x="822960" y="1197187"/>
-            <a:ext cx="9326880" cy="2546773"/>
+            <a:off x="411480" y="1945429"/>
+            <a:ext cx="4663440" cy="4138507"/>
           </a:xfrm>
         </p:spPr>
         <p:txBody>
           <a:bodyPr anchor="b"/>
           <a:lstStyle>
             <a:lvl1pPr algn="ctr">
-              <a:defRPr sz="6400"/>
+              <a:defRPr sz="3600"/>
             </a:lvl1pPr>
           </a:lstStyle>
           <a:p>
@@ -609,8 +614,8 @@
         </p:nvSpPr>
         <p:spPr>
           <a:xfrm>
-            <a:off x="1371600" y="3842174"/>
-            <a:ext cx="8229600" cy="1766146"/>
+            <a:off x="685800" y="6243533"/>
+            <a:ext cx="4114800" cy="2869987"/>
           </a:xfrm>
         </p:spPr>
         <p:txBody>
@@ -618,39 +623,39 @@
           <a:lstStyle>
             <a:lvl1pPr marL="0" indent="0" algn="ctr">
               <a:buNone/>
-              <a:defRPr sz="2560"/>
+              <a:defRPr sz="1440"/>
             </a:lvl1pPr>
-            <a:lvl2pPr marL="487695" indent="0" algn="ctr">
-              <a:buNone/>
-              <a:defRPr sz="2133"/>
+            <a:lvl2pPr marL="274320" indent="0" algn="ctr">
+              <a:buNone/>
+              <a:defRPr sz="1200"/>
             </a:lvl2pPr>
-            <a:lvl3pPr marL="975390" indent="0" algn="ctr">
-              <a:buNone/>
-              <a:defRPr sz="1920"/>
+            <a:lvl3pPr marL="548640" indent="0" algn="ctr">
+              <a:buNone/>
+              <a:defRPr sz="1080"/>
             </a:lvl3pPr>
-            <a:lvl4pPr marL="1463086" indent="0" algn="ctr">
-              <a:buNone/>
-              <a:defRPr sz="1707"/>
+            <a:lvl4pPr marL="822960" indent="0" algn="ctr">
+              <a:buNone/>
+              <a:defRPr sz="960"/>
             </a:lvl4pPr>
-            <a:lvl5pPr marL="1950781" indent="0" algn="ctr">
-              <a:buNone/>
-              <a:defRPr sz="1707"/>
+            <a:lvl5pPr marL="1097280" indent="0" algn="ctr">
+              <a:buNone/>
+              <a:defRPr sz="960"/>
             </a:lvl5pPr>
-            <a:lvl6pPr marL="2438476" indent="0" algn="ctr">
-              <a:buNone/>
-              <a:defRPr sz="1707"/>
+            <a:lvl6pPr marL="1371600" indent="0" algn="ctr">
+              <a:buNone/>
+              <a:defRPr sz="960"/>
             </a:lvl6pPr>
-            <a:lvl7pPr marL="2926171" indent="0" algn="ctr">
-              <a:buNone/>
-              <a:defRPr sz="1707"/>
+            <a:lvl7pPr marL="1645920" indent="0" algn="ctr">
+              <a:buNone/>
+              <a:defRPr sz="960"/>
             </a:lvl7pPr>
-            <a:lvl8pPr marL="3413867" indent="0" algn="ctr">
-              <a:buNone/>
-              <a:defRPr sz="1707"/>
+            <a:lvl8pPr marL="1920240" indent="0" algn="ctr">
+              <a:buNone/>
+              <a:defRPr sz="960"/>
             </a:lvl8pPr>
-            <a:lvl9pPr marL="3901562" indent="0" algn="ctr">
-              <a:buNone/>
-              <a:defRPr sz="1707"/>
+            <a:lvl9pPr marL="2194560" indent="0" algn="ctr">
+              <a:buNone/>
+              <a:defRPr sz="960"/>
             </a:lvl9pPr>
           </a:lstStyle>
           <a:p>
@@ -679,7 +684,7 @@
           <a:p>
             <a:fld id="{89D219D7-A98E-4C43-80ED-F55C071423DC}" type="datetimeFigureOut">
               <a:rPr lang="en-US" smtClean="0"/>
-              <a:t>9/2/25</a:t>
+              <a:t>11/2/25</a:t>
             </a:fld>
             <a:endParaRPr lang="en-US"/>
           </a:p>
@@ -730,7 +735,7 @@
     </p:spTree>
     <p:extLst>
       <p:ext uri="{BB962C8B-B14F-4D97-AF65-F5344CB8AC3E}">
-        <p14:creationId xmlns:p14="http://schemas.microsoft.com/office/powerpoint/2010/main" val="2053683898"/>
+        <p14:creationId xmlns:p14="http://schemas.microsoft.com/office/powerpoint/2010/main" val="985147766"/>
       </p:ext>
     </p:extLst>
   </p:cSld>
@@ -849,7 +854,7 @@
           <a:p>
             <a:fld id="{89D219D7-A98E-4C43-80ED-F55C071423DC}" type="datetimeFigureOut">
               <a:rPr lang="en-US" smtClean="0"/>
-              <a:t>9/2/25</a:t>
+              <a:t>11/2/25</a:t>
             </a:fld>
             <a:endParaRPr lang="en-US"/>
           </a:p>
@@ -900,7 +905,7 @@
     </p:spTree>
     <p:extLst>
       <p:ext uri="{BB962C8B-B14F-4D97-AF65-F5344CB8AC3E}">
-        <p14:creationId xmlns:p14="http://schemas.microsoft.com/office/powerpoint/2010/main" val="2127545766"/>
+        <p14:creationId xmlns:p14="http://schemas.microsoft.com/office/powerpoint/2010/main" val="3904088347"/>
       </p:ext>
     </p:extLst>
   </p:cSld>
@@ -939,8 +944,8 @@
         </p:nvSpPr>
         <p:spPr>
           <a:xfrm>
-            <a:off x="7852411" y="389467"/>
-            <a:ext cx="2366010" cy="6199294"/>
+            <a:off x="3926205" y="632883"/>
+            <a:ext cx="1183005" cy="10073853"/>
           </a:xfrm>
         </p:spPr>
         <p:txBody>
@@ -967,8 +972,8 @@
         </p:nvSpPr>
         <p:spPr>
           <a:xfrm>
-            <a:off x="754381" y="389467"/>
-            <a:ext cx="6960870" cy="6199294"/>
+            <a:off x="377190" y="632883"/>
+            <a:ext cx="3480435" cy="10073853"/>
           </a:xfrm>
         </p:spPr>
         <p:txBody>
@@ -1029,7 +1034,7 @@
           <a:p>
             <a:fld id="{89D219D7-A98E-4C43-80ED-F55C071423DC}" type="datetimeFigureOut">
               <a:rPr lang="en-US" smtClean="0"/>
-              <a:t>9/2/25</a:t>
+              <a:t>11/2/25</a:t>
             </a:fld>
             <a:endParaRPr lang="en-US"/>
           </a:p>
@@ -1080,7 +1085,7 @@
     </p:spTree>
     <p:extLst>
       <p:ext uri="{BB962C8B-B14F-4D97-AF65-F5344CB8AC3E}">
-        <p14:creationId xmlns:p14="http://schemas.microsoft.com/office/powerpoint/2010/main" val="2238937155"/>
+        <p14:creationId xmlns:p14="http://schemas.microsoft.com/office/powerpoint/2010/main" val="3570656887"/>
       </p:ext>
     </p:extLst>
   </p:cSld>
@@ -1199,7 +1204,7 @@
           <a:p>
             <a:fld id="{89D219D7-A98E-4C43-80ED-F55C071423DC}" type="datetimeFigureOut">
               <a:rPr lang="en-US" smtClean="0"/>
-              <a:t>9/2/25</a:t>
+              <a:t>11/2/25</a:t>
             </a:fld>
             <a:endParaRPr lang="en-US"/>
           </a:p>
@@ -1250,7 +1255,7 @@
     </p:spTree>
     <p:extLst>
       <p:ext uri="{BB962C8B-B14F-4D97-AF65-F5344CB8AC3E}">
-        <p14:creationId xmlns:p14="http://schemas.microsoft.com/office/powerpoint/2010/main" val="1648123311"/>
+        <p14:creationId xmlns:p14="http://schemas.microsoft.com/office/powerpoint/2010/main" val="2407370029"/>
       </p:ext>
     </p:extLst>
   </p:cSld>
@@ -1289,15 +1294,15 @@
         </p:nvSpPr>
         <p:spPr>
           <a:xfrm>
-            <a:off x="748666" y="1823722"/>
-            <a:ext cx="9464040" cy="3042919"/>
+            <a:off x="374333" y="2963549"/>
+            <a:ext cx="4732020" cy="4944744"/>
           </a:xfrm>
         </p:spPr>
         <p:txBody>
           <a:bodyPr anchor="b"/>
           <a:lstStyle>
             <a:lvl1pPr>
-              <a:defRPr sz="6400"/>
+              <a:defRPr sz="3600"/>
             </a:lvl1pPr>
           </a:lstStyle>
           <a:p>
@@ -1321,8 +1326,8 @@
         </p:nvSpPr>
         <p:spPr>
           <a:xfrm>
-            <a:off x="748666" y="4895429"/>
-            <a:ext cx="9464040" cy="1600199"/>
+            <a:off x="374333" y="7955072"/>
+            <a:ext cx="4732020" cy="2600324"/>
           </a:xfrm>
         </p:spPr>
         <p:txBody>
@@ -1330,7 +1335,7 @@
           <a:lstStyle>
             <a:lvl1pPr marL="0" indent="0">
               <a:buNone/>
-              <a:defRPr sz="2560">
+              <a:defRPr sz="1440">
                 <a:solidFill>
                   <a:schemeClr val="tx1">
                     <a:tint val="82000"/>
@@ -1338,9 +1343,9 @@
                 </a:solidFill>
               </a:defRPr>
             </a:lvl1pPr>
-            <a:lvl2pPr marL="487695" indent="0">
-              <a:buNone/>
-              <a:defRPr sz="2133">
+            <a:lvl2pPr marL="274320" indent="0">
+              <a:buNone/>
+              <a:defRPr sz="1200">
                 <a:solidFill>
                   <a:schemeClr val="tx1">
                     <a:tint val="82000"/>
@@ -1348,9 +1353,9 @@
                 </a:solidFill>
               </a:defRPr>
             </a:lvl2pPr>
-            <a:lvl3pPr marL="975390" indent="0">
-              <a:buNone/>
-              <a:defRPr sz="1920">
+            <a:lvl3pPr marL="548640" indent="0">
+              <a:buNone/>
+              <a:defRPr sz="1080">
                 <a:solidFill>
                   <a:schemeClr val="tx1">
                     <a:tint val="82000"/>
@@ -1358,9 +1363,9 @@
                 </a:solidFill>
               </a:defRPr>
             </a:lvl3pPr>
-            <a:lvl4pPr marL="1463086" indent="0">
-              <a:buNone/>
-              <a:defRPr sz="1707">
+            <a:lvl4pPr marL="822960" indent="0">
+              <a:buNone/>
+              <a:defRPr sz="960">
                 <a:solidFill>
                   <a:schemeClr val="tx1">
                     <a:tint val="82000"/>
@@ -1368,9 +1373,9 @@
                 </a:solidFill>
               </a:defRPr>
             </a:lvl4pPr>
-            <a:lvl5pPr marL="1950781" indent="0">
-              <a:buNone/>
-              <a:defRPr sz="1707">
+            <a:lvl5pPr marL="1097280" indent="0">
+              <a:buNone/>
+              <a:defRPr sz="960">
                 <a:solidFill>
                   <a:schemeClr val="tx1">
                     <a:tint val="82000"/>
@@ -1378,9 +1383,9 @@
                 </a:solidFill>
               </a:defRPr>
             </a:lvl5pPr>
-            <a:lvl6pPr marL="2438476" indent="0">
-              <a:buNone/>
-              <a:defRPr sz="1707">
+            <a:lvl6pPr marL="1371600" indent="0">
+              <a:buNone/>
+              <a:defRPr sz="960">
                 <a:solidFill>
                   <a:schemeClr val="tx1">
                     <a:tint val="82000"/>
@@ -1388,9 +1393,9 @@
                 </a:solidFill>
               </a:defRPr>
             </a:lvl6pPr>
-            <a:lvl7pPr marL="2926171" indent="0">
-              <a:buNone/>
-              <a:defRPr sz="1707">
+            <a:lvl7pPr marL="1645920" indent="0">
+              <a:buNone/>
+              <a:defRPr sz="960">
                 <a:solidFill>
                   <a:schemeClr val="tx1">
                     <a:tint val="82000"/>
@@ -1398,9 +1403,9 @@
                 </a:solidFill>
               </a:defRPr>
             </a:lvl7pPr>
-            <a:lvl8pPr marL="3413867" indent="0">
-              <a:buNone/>
-              <a:defRPr sz="1707">
+            <a:lvl8pPr marL="1920240" indent="0">
+              <a:buNone/>
+              <a:defRPr sz="960">
                 <a:solidFill>
                   <a:schemeClr val="tx1">
                     <a:tint val="82000"/>
@@ -1408,9 +1413,9 @@
                 </a:solidFill>
               </a:defRPr>
             </a:lvl8pPr>
-            <a:lvl9pPr marL="3901562" indent="0">
-              <a:buNone/>
-              <a:defRPr sz="1707">
+            <a:lvl9pPr marL="2194560" indent="0">
+              <a:buNone/>
+              <a:defRPr sz="960">
                 <a:solidFill>
                   <a:schemeClr val="tx1">
                     <a:tint val="82000"/>
@@ -1445,7 +1450,7 @@
           <a:p>
             <a:fld id="{89D219D7-A98E-4C43-80ED-F55C071423DC}" type="datetimeFigureOut">
               <a:rPr lang="en-US" smtClean="0"/>
-              <a:t>9/2/25</a:t>
+              <a:t>11/2/25</a:t>
             </a:fld>
             <a:endParaRPr lang="en-US"/>
           </a:p>
@@ -1496,7 +1501,7 @@
     </p:spTree>
     <p:extLst>
       <p:ext uri="{BB962C8B-B14F-4D97-AF65-F5344CB8AC3E}">
-        <p14:creationId xmlns:p14="http://schemas.microsoft.com/office/powerpoint/2010/main" val="356255647"/>
+        <p14:creationId xmlns:p14="http://schemas.microsoft.com/office/powerpoint/2010/main" val="2876855442"/>
       </p:ext>
     </p:extLst>
   </p:cSld>
@@ -1558,8 +1563,8 @@
         </p:nvSpPr>
         <p:spPr>
           <a:xfrm>
-            <a:off x="754380" y="1947333"/>
-            <a:ext cx="4663440" cy="4641427"/>
+            <a:off x="377190" y="3164417"/>
+            <a:ext cx="2331720" cy="7542319"/>
           </a:xfrm>
         </p:spPr>
         <p:txBody>
@@ -1615,8 +1620,8 @@
         </p:nvSpPr>
         <p:spPr>
           <a:xfrm>
-            <a:off x="5554980" y="1947333"/>
-            <a:ext cx="4663440" cy="4641427"/>
+            <a:off x="2777490" y="3164417"/>
+            <a:ext cx="2331720" cy="7542319"/>
           </a:xfrm>
         </p:spPr>
         <p:txBody>
@@ -1677,7 +1682,7 @@
           <a:p>
             <a:fld id="{89D219D7-A98E-4C43-80ED-F55C071423DC}" type="datetimeFigureOut">
               <a:rPr lang="en-US" smtClean="0"/>
-              <a:t>9/2/25</a:t>
+              <a:t>11/2/25</a:t>
             </a:fld>
             <a:endParaRPr lang="en-US"/>
           </a:p>
@@ -1728,7 +1733,7 @@
     </p:spTree>
     <p:extLst>
       <p:ext uri="{BB962C8B-B14F-4D97-AF65-F5344CB8AC3E}">
-        <p14:creationId xmlns:p14="http://schemas.microsoft.com/office/powerpoint/2010/main" val="4002616323"/>
+        <p14:creationId xmlns:p14="http://schemas.microsoft.com/office/powerpoint/2010/main" val="1729119025"/>
       </p:ext>
     </p:extLst>
   </p:cSld>
@@ -1767,8 +1772,8 @@
         </p:nvSpPr>
         <p:spPr>
           <a:xfrm>
-            <a:off x="755809" y="389468"/>
-            <a:ext cx="9464040" cy="1413934"/>
+            <a:off x="377905" y="632886"/>
+            <a:ext cx="4732020" cy="2297643"/>
           </a:xfrm>
         </p:spPr>
         <p:txBody>
@@ -1795,8 +1800,8 @@
         </p:nvSpPr>
         <p:spPr>
           <a:xfrm>
-            <a:off x="755810" y="1793241"/>
-            <a:ext cx="4642008" cy="878839"/>
+            <a:off x="377905" y="2914016"/>
+            <a:ext cx="2321004" cy="1428114"/>
           </a:xfrm>
         </p:spPr>
         <p:txBody>
@@ -1804,39 +1809,39 @@
           <a:lstStyle>
             <a:lvl1pPr marL="0" indent="0">
               <a:buNone/>
-              <a:defRPr sz="2560" b="1"/>
+              <a:defRPr sz="1440" b="1"/>
             </a:lvl1pPr>
-            <a:lvl2pPr marL="487695" indent="0">
-              <a:buNone/>
-              <a:defRPr sz="2133" b="1"/>
+            <a:lvl2pPr marL="274320" indent="0">
+              <a:buNone/>
+              <a:defRPr sz="1200" b="1"/>
             </a:lvl2pPr>
-            <a:lvl3pPr marL="975390" indent="0">
-              <a:buNone/>
-              <a:defRPr sz="1920" b="1"/>
+            <a:lvl3pPr marL="548640" indent="0">
+              <a:buNone/>
+              <a:defRPr sz="1080" b="1"/>
             </a:lvl3pPr>
-            <a:lvl4pPr marL="1463086" indent="0">
-              <a:buNone/>
-              <a:defRPr sz="1707" b="1"/>
+            <a:lvl4pPr marL="822960" indent="0">
+              <a:buNone/>
+              <a:defRPr sz="960" b="1"/>
             </a:lvl4pPr>
-            <a:lvl5pPr marL="1950781" indent="0">
-              <a:buNone/>
-              <a:defRPr sz="1707" b="1"/>
+            <a:lvl5pPr marL="1097280" indent="0">
+              <a:buNone/>
+              <a:defRPr sz="960" b="1"/>
             </a:lvl5pPr>
-            <a:lvl6pPr marL="2438476" indent="0">
-              <a:buNone/>
-              <a:defRPr sz="1707" b="1"/>
+            <a:lvl6pPr marL="1371600" indent="0">
+              <a:buNone/>
+              <a:defRPr sz="960" b="1"/>
             </a:lvl6pPr>
-            <a:lvl7pPr marL="2926171" indent="0">
-              <a:buNone/>
-              <a:defRPr sz="1707" b="1"/>
+            <a:lvl7pPr marL="1645920" indent="0">
+              <a:buNone/>
+              <a:defRPr sz="960" b="1"/>
             </a:lvl7pPr>
-            <a:lvl8pPr marL="3413867" indent="0">
-              <a:buNone/>
-              <a:defRPr sz="1707" b="1"/>
+            <a:lvl8pPr marL="1920240" indent="0">
+              <a:buNone/>
+              <a:defRPr sz="960" b="1"/>
             </a:lvl8pPr>
-            <a:lvl9pPr marL="3901562" indent="0">
-              <a:buNone/>
-              <a:defRPr sz="1707" b="1"/>
+            <a:lvl9pPr marL="2194560" indent="0">
+              <a:buNone/>
+              <a:defRPr sz="960" b="1"/>
             </a:lvl9pPr>
           </a:lstStyle>
           <a:p>
@@ -1860,8 +1865,8 @@
         </p:nvSpPr>
         <p:spPr>
           <a:xfrm>
-            <a:off x="755810" y="2672080"/>
-            <a:ext cx="4642008" cy="3930227"/>
+            <a:off x="377905" y="4342130"/>
+            <a:ext cx="2321004" cy="6386619"/>
           </a:xfrm>
         </p:spPr>
         <p:txBody>
@@ -1917,8 +1922,8 @@
         </p:nvSpPr>
         <p:spPr>
           <a:xfrm>
-            <a:off x="5554981" y="1793241"/>
-            <a:ext cx="4664869" cy="878839"/>
+            <a:off x="2777490" y="2914016"/>
+            <a:ext cx="2332435" cy="1428114"/>
           </a:xfrm>
         </p:spPr>
         <p:txBody>
@@ -1926,39 +1931,39 @@
           <a:lstStyle>
             <a:lvl1pPr marL="0" indent="0">
               <a:buNone/>
-              <a:defRPr sz="2560" b="1"/>
+              <a:defRPr sz="1440" b="1"/>
             </a:lvl1pPr>
-            <a:lvl2pPr marL="487695" indent="0">
-              <a:buNone/>
-              <a:defRPr sz="2133" b="1"/>
+            <a:lvl2pPr marL="274320" indent="0">
+              <a:buNone/>
+              <a:defRPr sz="1200" b="1"/>
             </a:lvl2pPr>
-            <a:lvl3pPr marL="975390" indent="0">
-              <a:buNone/>
-              <a:defRPr sz="1920" b="1"/>
+            <a:lvl3pPr marL="548640" indent="0">
+              <a:buNone/>
+              <a:defRPr sz="1080" b="1"/>
             </a:lvl3pPr>
-            <a:lvl4pPr marL="1463086" indent="0">
-              <a:buNone/>
-              <a:defRPr sz="1707" b="1"/>
+            <a:lvl4pPr marL="822960" indent="0">
+              <a:buNone/>
+              <a:defRPr sz="960" b="1"/>
             </a:lvl4pPr>
-            <a:lvl5pPr marL="1950781" indent="0">
-              <a:buNone/>
-              <a:defRPr sz="1707" b="1"/>
+            <a:lvl5pPr marL="1097280" indent="0">
+              <a:buNone/>
+              <a:defRPr sz="960" b="1"/>
             </a:lvl5pPr>
-            <a:lvl6pPr marL="2438476" indent="0">
-              <a:buNone/>
-              <a:defRPr sz="1707" b="1"/>
+            <a:lvl6pPr marL="1371600" indent="0">
+              <a:buNone/>
+              <a:defRPr sz="960" b="1"/>
             </a:lvl6pPr>
-            <a:lvl7pPr marL="2926171" indent="0">
-              <a:buNone/>
-              <a:defRPr sz="1707" b="1"/>
+            <a:lvl7pPr marL="1645920" indent="0">
+              <a:buNone/>
+              <a:defRPr sz="960" b="1"/>
             </a:lvl7pPr>
-            <a:lvl8pPr marL="3413867" indent="0">
-              <a:buNone/>
-              <a:defRPr sz="1707" b="1"/>
+            <a:lvl8pPr marL="1920240" indent="0">
+              <a:buNone/>
+              <a:defRPr sz="960" b="1"/>
             </a:lvl8pPr>
-            <a:lvl9pPr marL="3901562" indent="0">
-              <a:buNone/>
-              <a:defRPr sz="1707" b="1"/>
+            <a:lvl9pPr marL="2194560" indent="0">
+              <a:buNone/>
+              <a:defRPr sz="960" b="1"/>
             </a:lvl9pPr>
           </a:lstStyle>
           <a:p>
@@ -1982,8 +1987,8 @@
         </p:nvSpPr>
         <p:spPr>
           <a:xfrm>
-            <a:off x="5554981" y="2672080"/>
-            <a:ext cx="4664869" cy="3930227"/>
+            <a:off x="2777490" y="4342130"/>
+            <a:ext cx="2332435" cy="6386619"/>
           </a:xfrm>
         </p:spPr>
         <p:txBody>
@@ -2044,7 +2049,7 @@
           <a:p>
             <a:fld id="{89D219D7-A98E-4C43-80ED-F55C071423DC}" type="datetimeFigureOut">
               <a:rPr lang="en-US" smtClean="0"/>
-              <a:t>9/2/25</a:t>
+              <a:t>11/2/25</a:t>
             </a:fld>
             <a:endParaRPr lang="en-US"/>
           </a:p>
@@ -2095,7 +2100,7 @@
     </p:spTree>
     <p:extLst>
       <p:ext uri="{BB962C8B-B14F-4D97-AF65-F5344CB8AC3E}">
-        <p14:creationId xmlns:p14="http://schemas.microsoft.com/office/powerpoint/2010/main" val="1514359725"/>
+        <p14:creationId xmlns:p14="http://schemas.microsoft.com/office/powerpoint/2010/main" val="341295325"/>
       </p:ext>
     </p:extLst>
   </p:cSld>
@@ -2162,7 +2167,7 @@
           <a:p>
             <a:fld id="{89D219D7-A98E-4C43-80ED-F55C071423DC}" type="datetimeFigureOut">
               <a:rPr lang="en-US" smtClean="0"/>
-              <a:t>9/2/25</a:t>
+              <a:t>11/2/25</a:t>
             </a:fld>
             <a:endParaRPr lang="en-US"/>
           </a:p>
@@ -2213,7 +2218,7 @@
     </p:spTree>
     <p:extLst>
       <p:ext uri="{BB962C8B-B14F-4D97-AF65-F5344CB8AC3E}">
-        <p14:creationId xmlns:p14="http://schemas.microsoft.com/office/powerpoint/2010/main" val="2638242206"/>
+        <p14:creationId xmlns:p14="http://schemas.microsoft.com/office/powerpoint/2010/main" val="2686187375"/>
       </p:ext>
     </p:extLst>
   </p:cSld>
@@ -2257,7 +2262,7 @@
           <a:p>
             <a:fld id="{89D219D7-A98E-4C43-80ED-F55C071423DC}" type="datetimeFigureOut">
               <a:rPr lang="en-US" smtClean="0"/>
-              <a:t>9/2/25</a:t>
+              <a:t>11/2/25</a:t>
             </a:fld>
             <a:endParaRPr lang="en-US"/>
           </a:p>
@@ -2308,7 +2313,7 @@
     </p:spTree>
     <p:extLst>
       <p:ext uri="{BB962C8B-B14F-4D97-AF65-F5344CB8AC3E}">
-        <p14:creationId xmlns:p14="http://schemas.microsoft.com/office/powerpoint/2010/main" val="1475709315"/>
+        <p14:creationId xmlns:p14="http://schemas.microsoft.com/office/powerpoint/2010/main" val="2469106500"/>
       </p:ext>
     </p:extLst>
   </p:cSld>
@@ -2347,15 +2352,15 @@
         </p:nvSpPr>
         <p:spPr>
           <a:xfrm>
-            <a:off x="755809" y="487680"/>
-            <a:ext cx="3539014" cy="1706880"/>
+            <a:off x="377905" y="792480"/>
+            <a:ext cx="1769507" cy="2773680"/>
           </a:xfrm>
         </p:spPr>
         <p:txBody>
           <a:bodyPr anchor="b"/>
           <a:lstStyle>
             <a:lvl1pPr>
-              <a:defRPr sz="3413"/>
+              <a:defRPr sz="1920"/>
             </a:lvl1pPr>
           </a:lstStyle>
           <a:p>
@@ -2379,39 +2384,39 @@
         </p:nvSpPr>
         <p:spPr>
           <a:xfrm>
-            <a:off x="4664869" y="1053255"/>
-            <a:ext cx="5554980" cy="5198533"/>
+            <a:off x="2332435" y="1711539"/>
+            <a:ext cx="2777490" cy="8447617"/>
           </a:xfrm>
         </p:spPr>
         <p:txBody>
           <a:bodyPr/>
           <a:lstStyle>
             <a:lvl1pPr>
-              <a:defRPr sz="3413"/>
+              <a:defRPr sz="1920"/>
             </a:lvl1pPr>
             <a:lvl2pPr>
-              <a:defRPr sz="2987"/>
+              <a:defRPr sz="1680"/>
             </a:lvl2pPr>
             <a:lvl3pPr>
-              <a:defRPr sz="2560"/>
+              <a:defRPr sz="1440"/>
             </a:lvl3pPr>
             <a:lvl4pPr>
-              <a:defRPr sz="2133"/>
+              <a:defRPr sz="1200"/>
             </a:lvl4pPr>
             <a:lvl5pPr>
-              <a:defRPr sz="2133"/>
+              <a:defRPr sz="1200"/>
             </a:lvl5pPr>
             <a:lvl6pPr>
-              <a:defRPr sz="2133"/>
+              <a:defRPr sz="1200"/>
             </a:lvl6pPr>
             <a:lvl7pPr>
-              <a:defRPr sz="2133"/>
+              <a:defRPr sz="1200"/>
             </a:lvl7pPr>
             <a:lvl8pPr>
-              <a:defRPr sz="2133"/>
+              <a:defRPr sz="1200"/>
             </a:lvl8pPr>
             <a:lvl9pPr>
-              <a:defRPr sz="2133"/>
+              <a:defRPr sz="1200"/>
             </a:lvl9pPr>
           </a:lstStyle>
           <a:p>
@@ -2464,8 +2469,8 @@
         </p:nvSpPr>
         <p:spPr>
           <a:xfrm>
-            <a:off x="755809" y="2194560"/>
-            <a:ext cx="3539014" cy="4065694"/>
+            <a:off x="377905" y="3566160"/>
+            <a:ext cx="1769507" cy="6606753"/>
           </a:xfrm>
         </p:spPr>
         <p:txBody>
@@ -2473,39 +2478,39 @@
           <a:lstStyle>
             <a:lvl1pPr marL="0" indent="0">
               <a:buNone/>
-              <a:defRPr sz="1707"/>
+              <a:defRPr sz="960"/>
             </a:lvl1pPr>
-            <a:lvl2pPr marL="487695" indent="0">
-              <a:buNone/>
-              <a:defRPr sz="1493"/>
+            <a:lvl2pPr marL="274320" indent="0">
+              <a:buNone/>
+              <a:defRPr sz="840"/>
             </a:lvl2pPr>
-            <a:lvl3pPr marL="975390" indent="0">
-              <a:buNone/>
-              <a:defRPr sz="1280"/>
+            <a:lvl3pPr marL="548640" indent="0">
+              <a:buNone/>
+              <a:defRPr sz="720"/>
             </a:lvl3pPr>
-            <a:lvl4pPr marL="1463086" indent="0">
-              <a:buNone/>
-              <a:defRPr sz="1067"/>
+            <a:lvl4pPr marL="822960" indent="0">
+              <a:buNone/>
+              <a:defRPr sz="600"/>
             </a:lvl4pPr>
-            <a:lvl5pPr marL="1950781" indent="0">
-              <a:buNone/>
-              <a:defRPr sz="1067"/>
+            <a:lvl5pPr marL="1097280" indent="0">
+              <a:buNone/>
+              <a:defRPr sz="600"/>
             </a:lvl5pPr>
-            <a:lvl6pPr marL="2438476" indent="0">
-              <a:buNone/>
-              <a:defRPr sz="1067"/>
+            <a:lvl6pPr marL="1371600" indent="0">
+              <a:buNone/>
+              <a:defRPr sz="600"/>
             </a:lvl6pPr>
-            <a:lvl7pPr marL="2926171" indent="0">
-              <a:buNone/>
-              <a:defRPr sz="1067"/>
+            <a:lvl7pPr marL="1645920" indent="0">
+              <a:buNone/>
+              <a:defRPr sz="600"/>
             </a:lvl7pPr>
-            <a:lvl8pPr marL="3413867" indent="0">
-              <a:buNone/>
-              <a:defRPr sz="1067"/>
+            <a:lvl8pPr marL="1920240" indent="0">
+              <a:buNone/>
+              <a:defRPr sz="600"/>
             </a:lvl8pPr>
-            <a:lvl9pPr marL="3901562" indent="0">
-              <a:buNone/>
-              <a:defRPr sz="1067"/>
+            <a:lvl9pPr marL="2194560" indent="0">
+              <a:buNone/>
+              <a:defRPr sz="600"/>
             </a:lvl9pPr>
           </a:lstStyle>
           <a:p>
@@ -2534,7 +2539,7 @@
           <a:p>
             <a:fld id="{89D219D7-A98E-4C43-80ED-F55C071423DC}" type="datetimeFigureOut">
               <a:rPr lang="en-US" smtClean="0"/>
-              <a:t>9/2/25</a:t>
+              <a:t>11/2/25</a:t>
             </a:fld>
             <a:endParaRPr lang="en-US"/>
           </a:p>
@@ -2585,7 +2590,7 @@
     </p:spTree>
     <p:extLst>
       <p:ext uri="{BB962C8B-B14F-4D97-AF65-F5344CB8AC3E}">
-        <p14:creationId xmlns:p14="http://schemas.microsoft.com/office/powerpoint/2010/main" val="1761651737"/>
+        <p14:creationId xmlns:p14="http://schemas.microsoft.com/office/powerpoint/2010/main" val="1234898967"/>
       </p:ext>
     </p:extLst>
   </p:cSld>
@@ -2624,15 +2629,15 @@
         </p:nvSpPr>
         <p:spPr>
           <a:xfrm>
-            <a:off x="755809" y="487680"/>
-            <a:ext cx="3539014" cy="1706880"/>
+            <a:off x="377905" y="792480"/>
+            <a:ext cx="1769507" cy="2773680"/>
           </a:xfrm>
         </p:spPr>
         <p:txBody>
           <a:bodyPr anchor="b"/>
           <a:lstStyle>
             <a:lvl1pPr>
-              <a:defRPr sz="3413"/>
+              <a:defRPr sz="1920"/>
             </a:lvl1pPr>
           </a:lstStyle>
           <a:p>
@@ -2656,8 +2661,8 @@
         </p:nvSpPr>
         <p:spPr>
           <a:xfrm>
-            <a:off x="4664869" y="1053255"/>
-            <a:ext cx="5554980" cy="5198533"/>
+            <a:off x="2332435" y="1711539"/>
+            <a:ext cx="2777490" cy="8447617"/>
           </a:xfrm>
         </p:spPr>
         <p:txBody>
@@ -2665,39 +2670,39 @@
           <a:lstStyle>
             <a:lvl1pPr marL="0" indent="0">
               <a:buNone/>
-              <a:defRPr sz="3413"/>
+              <a:defRPr sz="1920"/>
             </a:lvl1pPr>
-            <a:lvl2pPr marL="487695" indent="0">
-              <a:buNone/>
-              <a:defRPr sz="2987"/>
+            <a:lvl2pPr marL="274320" indent="0">
+              <a:buNone/>
+              <a:defRPr sz="1680"/>
             </a:lvl2pPr>
-            <a:lvl3pPr marL="975390" indent="0">
-              <a:buNone/>
-              <a:defRPr sz="2560"/>
+            <a:lvl3pPr marL="548640" indent="0">
+              <a:buNone/>
+              <a:defRPr sz="1440"/>
             </a:lvl3pPr>
-            <a:lvl4pPr marL="1463086" indent="0">
-              <a:buNone/>
-              <a:defRPr sz="2133"/>
+            <a:lvl4pPr marL="822960" indent="0">
+              <a:buNone/>
+              <a:defRPr sz="1200"/>
             </a:lvl4pPr>
-            <a:lvl5pPr marL="1950781" indent="0">
-              <a:buNone/>
-              <a:defRPr sz="2133"/>
+            <a:lvl5pPr marL="1097280" indent="0">
+              <a:buNone/>
+              <a:defRPr sz="1200"/>
             </a:lvl5pPr>
-            <a:lvl6pPr marL="2438476" indent="0">
-              <a:buNone/>
-              <a:defRPr sz="2133"/>
+            <a:lvl6pPr marL="1371600" indent="0">
+              <a:buNone/>
+              <a:defRPr sz="1200"/>
             </a:lvl6pPr>
-            <a:lvl7pPr marL="2926171" indent="0">
-              <a:buNone/>
-              <a:defRPr sz="2133"/>
+            <a:lvl7pPr marL="1645920" indent="0">
+              <a:buNone/>
+              <a:defRPr sz="1200"/>
             </a:lvl7pPr>
-            <a:lvl8pPr marL="3413867" indent="0">
-              <a:buNone/>
-              <a:defRPr sz="2133"/>
+            <a:lvl8pPr marL="1920240" indent="0">
+              <a:buNone/>
+              <a:defRPr sz="1200"/>
             </a:lvl8pPr>
-            <a:lvl9pPr marL="3901562" indent="0">
-              <a:buNone/>
-              <a:defRPr sz="2133"/>
+            <a:lvl9pPr marL="2194560" indent="0">
+              <a:buNone/>
+              <a:defRPr sz="1200"/>
             </a:lvl9pPr>
           </a:lstStyle>
           <a:p>
@@ -2721,8 +2726,8 @@
         </p:nvSpPr>
         <p:spPr>
           <a:xfrm>
-            <a:off x="755809" y="2194560"/>
-            <a:ext cx="3539014" cy="4065694"/>
+            <a:off x="377905" y="3566160"/>
+            <a:ext cx="1769507" cy="6606753"/>
           </a:xfrm>
         </p:spPr>
         <p:txBody>
@@ -2730,39 +2735,39 @@
           <a:lstStyle>
             <a:lvl1pPr marL="0" indent="0">
               <a:buNone/>
-              <a:defRPr sz="1707"/>
+              <a:defRPr sz="960"/>
             </a:lvl1pPr>
-            <a:lvl2pPr marL="487695" indent="0">
-              <a:buNone/>
-              <a:defRPr sz="1493"/>
+            <a:lvl2pPr marL="274320" indent="0">
+              <a:buNone/>
+              <a:defRPr sz="840"/>
             </a:lvl2pPr>
-            <a:lvl3pPr marL="975390" indent="0">
-              <a:buNone/>
-              <a:defRPr sz="1280"/>
+            <a:lvl3pPr marL="548640" indent="0">
+              <a:buNone/>
+              <a:defRPr sz="720"/>
             </a:lvl3pPr>
-            <a:lvl4pPr marL="1463086" indent="0">
-              <a:buNone/>
-              <a:defRPr sz="1067"/>
+            <a:lvl4pPr marL="822960" indent="0">
+              <a:buNone/>
+              <a:defRPr sz="600"/>
             </a:lvl4pPr>
-            <a:lvl5pPr marL="1950781" indent="0">
-              <a:buNone/>
-              <a:defRPr sz="1067"/>
+            <a:lvl5pPr marL="1097280" indent="0">
+              <a:buNone/>
+              <a:defRPr sz="600"/>
             </a:lvl5pPr>
-            <a:lvl6pPr marL="2438476" indent="0">
-              <a:buNone/>
-              <a:defRPr sz="1067"/>
+            <a:lvl6pPr marL="1371600" indent="0">
+              <a:buNone/>
+              <a:defRPr sz="600"/>
             </a:lvl6pPr>
-            <a:lvl7pPr marL="2926171" indent="0">
-              <a:buNone/>
-              <a:defRPr sz="1067"/>
+            <a:lvl7pPr marL="1645920" indent="0">
+              <a:buNone/>
+              <a:defRPr sz="600"/>
             </a:lvl7pPr>
-            <a:lvl8pPr marL="3413867" indent="0">
-              <a:buNone/>
-              <a:defRPr sz="1067"/>
+            <a:lvl8pPr marL="1920240" indent="0">
+              <a:buNone/>
+              <a:defRPr sz="600"/>
             </a:lvl8pPr>
-            <a:lvl9pPr marL="3901562" indent="0">
-              <a:buNone/>
-              <a:defRPr sz="1067"/>
+            <a:lvl9pPr marL="2194560" indent="0">
+              <a:buNone/>
+              <a:defRPr sz="600"/>
             </a:lvl9pPr>
           </a:lstStyle>
           <a:p>
@@ -2791,7 +2796,7 @@
           <a:p>
             <a:fld id="{89D219D7-A98E-4C43-80ED-F55C071423DC}" type="datetimeFigureOut">
               <a:rPr lang="en-US" smtClean="0"/>
-              <a:t>9/2/25</a:t>
+              <a:t>11/2/25</a:t>
             </a:fld>
             <a:endParaRPr lang="en-US"/>
           </a:p>
@@ -2842,7 +2847,7 @@
     </p:spTree>
     <p:extLst>
       <p:ext uri="{BB962C8B-B14F-4D97-AF65-F5344CB8AC3E}">
-        <p14:creationId xmlns:p14="http://schemas.microsoft.com/office/powerpoint/2010/main" val="3035781175"/>
+        <p14:creationId xmlns:p14="http://schemas.microsoft.com/office/powerpoint/2010/main" val="2750697133"/>
       </p:ext>
     </p:extLst>
   </p:cSld>
@@ -2886,8 +2891,8 @@
         </p:nvSpPr>
         <p:spPr>
           <a:xfrm>
-            <a:off x="754380" y="389468"/>
-            <a:ext cx="9464040" cy="1413934"/>
+            <a:off x="377190" y="632886"/>
+            <a:ext cx="4732020" cy="2297643"/>
           </a:xfrm>
           <a:prstGeom prst="rect">
             <a:avLst/>
@@ -2919,8 +2924,8 @@
         </p:nvSpPr>
         <p:spPr>
           <a:xfrm>
-            <a:off x="754380" y="1947333"/>
-            <a:ext cx="9464040" cy="4641427"/>
+            <a:off x="377190" y="3164417"/>
+            <a:ext cx="4732020" cy="7542319"/>
           </a:xfrm>
           <a:prstGeom prst="rect">
             <a:avLst/>
@@ -2981,8 +2986,8 @@
         </p:nvSpPr>
         <p:spPr>
           <a:xfrm>
-            <a:off x="754380" y="6780108"/>
-            <a:ext cx="2468880" cy="389467"/>
+            <a:off x="377190" y="11017676"/>
+            <a:ext cx="1234440" cy="632883"/>
           </a:xfrm>
           <a:prstGeom prst="rect">
             <a:avLst/>
@@ -2992,7 +2997,7 @@
           <a:bodyPr vert="horz" lIns="91440" tIns="45720" rIns="91440" bIns="45720" rtlCol="0" anchor="ctr"/>
           <a:lstStyle>
             <a:lvl1pPr algn="l">
-              <a:defRPr sz="1280">
+              <a:defRPr sz="720">
                 <a:solidFill>
                   <a:schemeClr val="tx1">
                     <a:tint val="82000"/>
@@ -3004,7 +3009,7 @@
           <a:p>
             <a:fld id="{89D219D7-A98E-4C43-80ED-F55C071423DC}" type="datetimeFigureOut">
               <a:rPr lang="en-US" smtClean="0"/>
-              <a:t>9/2/25</a:t>
+              <a:t>11/2/25</a:t>
             </a:fld>
             <a:endParaRPr lang="en-US"/>
           </a:p>
@@ -3022,8 +3027,8 @@
         </p:nvSpPr>
         <p:spPr>
           <a:xfrm>
-            <a:off x="3634740" y="6780108"/>
-            <a:ext cx="3703320" cy="389467"/>
+            <a:off x="1817370" y="11017676"/>
+            <a:ext cx="1851660" cy="632883"/>
           </a:xfrm>
           <a:prstGeom prst="rect">
             <a:avLst/>
@@ -3033,7 +3038,7 @@
           <a:bodyPr vert="horz" lIns="91440" tIns="45720" rIns="91440" bIns="45720" rtlCol="0" anchor="ctr"/>
           <a:lstStyle>
             <a:lvl1pPr algn="ctr">
-              <a:defRPr sz="1280">
+              <a:defRPr sz="720">
                 <a:solidFill>
                   <a:schemeClr val="tx1">
                     <a:tint val="82000"/>
@@ -3059,8 +3064,8 @@
         </p:nvSpPr>
         <p:spPr>
           <a:xfrm>
-            <a:off x="7749540" y="6780108"/>
-            <a:ext cx="2468880" cy="389467"/>
+            <a:off x="3874770" y="11017676"/>
+            <a:ext cx="1234440" cy="632883"/>
           </a:xfrm>
           <a:prstGeom prst="rect">
             <a:avLst/>
@@ -3070,7 +3075,7 @@
           <a:bodyPr vert="horz" lIns="91440" tIns="45720" rIns="91440" bIns="45720" rtlCol="0" anchor="ctr"/>
           <a:lstStyle>
             <a:lvl1pPr algn="r">
-              <a:defRPr sz="1280">
+              <a:defRPr sz="720">
                 <a:solidFill>
                   <a:schemeClr val="tx1">
                     <a:tint val="82000"/>
@@ -3091,27 +3096,27 @@
     </p:spTree>
     <p:extLst>
       <p:ext uri="{BB962C8B-B14F-4D97-AF65-F5344CB8AC3E}">
-        <p14:creationId xmlns:p14="http://schemas.microsoft.com/office/powerpoint/2010/main" val="3077111753"/>
+        <p14:creationId xmlns:p14="http://schemas.microsoft.com/office/powerpoint/2010/main" val="3526325502"/>
       </p:ext>
     </p:extLst>
   </p:cSld>
   <p:clrMap bg1="lt1" tx1="dk1" bg2="lt2" tx2="dk2" accent1="accent1" accent2="accent2" accent3="accent3" accent4="accent4" accent5="accent5" accent6="accent6" hlink="hlink" folHlink="folHlink"/>
   <p:sldLayoutIdLst>
-    <p:sldLayoutId id="2147483661" r:id="rId1"/>
-    <p:sldLayoutId id="2147483662" r:id="rId2"/>
-    <p:sldLayoutId id="2147483663" r:id="rId3"/>
-    <p:sldLayoutId id="2147483664" r:id="rId4"/>
-    <p:sldLayoutId id="2147483665" r:id="rId5"/>
-    <p:sldLayoutId id="2147483666" r:id="rId6"/>
-    <p:sldLayoutId id="2147483667" r:id="rId7"/>
-    <p:sldLayoutId id="2147483668" r:id="rId8"/>
-    <p:sldLayoutId id="2147483669" r:id="rId9"/>
-    <p:sldLayoutId id="2147483670" r:id="rId10"/>
-    <p:sldLayoutId id="2147483671" r:id="rId11"/>
+    <p:sldLayoutId id="2147483709" r:id="rId1"/>
+    <p:sldLayoutId id="2147483710" r:id="rId2"/>
+    <p:sldLayoutId id="2147483711" r:id="rId3"/>
+    <p:sldLayoutId id="2147483712" r:id="rId4"/>
+    <p:sldLayoutId id="2147483713" r:id="rId5"/>
+    <p:sldLayoutId id="2147483714" r:id="rId6"/>
+    <p:sldLayoutId id="2147483715" r:id="rId7"/>
+    <p:sldLayoutId id="2147483716" r:id="rId8"/>
+    <p:sldLayoutId id="2147483717" r:id="rId9"/>
+    <p:sldLayoutId id="2147483718" r:id="rId10"/>
+    <p:sldLayoutId id="2147483719" r:id="rId11"/>
   </p:sldLayoutIdLst>
   <p:txStyles>
     <p:titleStyle>
-      <a:lvl1pPr algn="l" defTabSz="975390" rtl="0" eaLnBrk="1" latinLnBrk="0" hangingPunct="1">
+      <a:lvl1pPr algn="l" defTabSz="548640" rtl="0" eaLnBrk="1" latinLnBrk="0" hangingPunct="1">
         <a:lnSpc>
           <a:spcPct val="90000"/>
         </a:lnSpc>
@@ -3119,7 +3124,7 @@
           <a:spcPct val="0"/>
         </a:spcBef>
         <a:buNone/>
-        <a:defRPr sz="4693" kern="1200">
+        <a:defRPr sz="2640" kern="1200">
           <a:solidFill>
             <a:schemeClr val="tx1"/>
           </a:solidFill>
@@ -3130,16 +3135,16 @@
       </a:lvl1pPr>
     </p:titleStyle>
     <p:bodyStyle>
-      <a:lvl1pPr marL="243848" indent="-243848" algn="l" defTabSz="975390" rtl="0" eaLnBrk="1" latinLnBrk="0" hangingPunct="1">
+      <a:lvl1pPr marL="137160" indent="-137160" algn="l" defTabSz="548640" rtl="0" eaLnBrk="1" latinLnBrk="0" hangingPunct="1">
         <a:lnSpc>
           <a:spcPct val="90000"/>
         </a:lnSpc>
         <a:spcBef>
-          <a:spcPts val="1067"/>
+          <a:spcPts val="600"/>
         </a:spcBef>
         <a:buFont typeface="Arial" panose="020B0604020202020204" pitchFamily="34" charset="0"/>
         <a:buChar char="•"/>
-        <a:defRPr sz="2987" kern="1200">
+        <a:defRPr sz="1680" kern="1200">
           <a:solidFill>
             <a:schemeClr val="tx1"/>
           </a:solidFill>
@@ -3148,16 +3153,16 @@
           <a:cs typeface="+mn-cs"/>
         </a:defRPr>
       </a:lvl1pPr>
-      <a:lvl2pPr marL="731543" indent="-243848" algn="l" defTabSz="975390" rtl="0" eaLnBrk="1" latinLnBrk="0" hangingPunct="1">
+      <a:lvl2pPr marL="411480" indent="-137160" algn="l" defTabSz="548640" rtl="0" eaLnBrk="1" latinLnBrk="0" hangingPunct="1">
         <a:lnSpc>
           <a:spcPct val="90000"/>
         </a:lnSpc>
         <a:spcBef>
-          <a:spcPts val="533"/>
+          <a:spcPts val="300"/>
         </a:spcBef>
         <a:buFont typeface="Arial" panose="020B0604020202020204" pitchFamily="34" charset="0"/>
         <a:buChar char="•"/>
-        <a:defRPr sz="2560" kern="1200">
+        <a:defRPr sz="1440" kern="1200">
           <a:solidFill>
             <a:schemeClr val="tx1"/>
           </a:solidFill>
@@ -3166,16 +3171,16 @@
           <a:cs typeface="+mn-cs"/>
         </a:defRPr>
       </a:lvl2pPr>
-      <a:lvl3pPr marL="1219238" indent="-243848" algn="l" defTabSz="975390" rtl="0" eaLnBrk="1" latinLnBrk="0" hangingPunct="1">
+      <a:lvl3pPr marL="685800" indent="-137160" algn="l" defTabSz="548640" rtl="0" eaLnBrk="1" latinLnBrk="0" hangingPunct="1">
         <a:lnSpc>
           <a:spcPct val="90000"/>
         </a:lnSpc>
         <a:spcBef>
-          <a:spcPts val="533"/>
+          <a:spcPts val="300"/>
         </a:spcBef>
         <a:buFont typeface="Arial" panose="020B0604020202020204" pitchFamily="34" charset="0"/>
         <a:buChar char="•"/>
-        <a:defRPr sz="2133" kern="1200">
+        <a:defRPr sz="1200" kern="1200">
           <a:solidFill>
             <a:schemeClr val="tx1"/>
           </a:solidFill>
@@ -3184,16 +3189,16 @@
           <a:cs typeface="+mn-cs"/>
         </a:defRPr>
       </a:lvl3pPr>
-      <a:lvl4pPr marL="1706933" indent="-243848" algn="l" defTabSz="975390" rtl="0" eaLnBrk="1" latinLnBrk="0" hangingPunct="1">
+      <a:lvl4pPr marL="960120" indent="-137160" algn="l" defTabSz="548640" rtl="0" eaLnBrk="1" latinLnBrk="0" hangingPunct="1">
         <a:lnSpc>
           <a:spcPct val="90000"/>
         </a:lnSpc>
         <a:spcBef>
-          <a:spcPts val="533"/>
+          <a:spcPts val="300"/>
         </a:spcBef>
         <a:buFont typeface="Arial" panose="020B0604020202020204" pitchFamily="34" charset="0"/>
         <a:buChar char="•"/>
-        <a:defRPr sz="1920" kern="1200">
+        <a:defRPr sz="1080" kern="1200">
           <a:solidFill>
             <a:schemeClr val="tx1"/>
           </a:solidFill>
@@ -3202,16 +3207,16 @@
           <a:cs typeface="+mn-cs"/>
         </a:defRPr>
       </a:lvl4pPr>
-      <a:lvl5pPr marL="2194629" indent="-243848" algn="l" defTabSz="975390" rtl="0" eaLnBrk="1" latinLnBrk="0" hangingPunct="1">
+      <a:lvl5pPr marL="1234440" indent="-137160" algn="l" defTabSz="548640" rtl="0" eaLnBrk="1" latinLnBrk="0" hangingPunct="1">
         <a:lnSpc>
           <a:spcPct val="90000"/>
         </a:lnSpc>
         <a:spcBef>
-          <a:spcPts val="533"/>
+          <a:spcPts val="300"/>
         </a:spcBef>
         <a:buFont typeface="Arial" panose="020B0604020202020204" pitchFamily="34" charset="0"/>
         <a:buChar char="•"/>
-        <a:defRPr sz="1920" kern="1200">
+        <a:defRPr sz="1080" kern="1200">
           <a:solidFill>
             <a:schemeClr val="tx1"/>
           </a:solidFill>
@@ -3220,16 +3225,16 @@
           <a:cs typeface="+mn-cs"/>
         </a:defRPr>
       </a:lvl5pPr>
-      <a:lvl6pPr marL="2682324" indent="-243848" algn="l" defTabSz="975390" rtl="0" eaLnBrk="1" latinLnBrk="0" hangingPunct="1">
+      <a:lvl6pPr marL="1508760" indent="-137160" algn="l" defTabSz="548640" rtl="0" eaLnBrk="1" latinLnBrk="0" hangingPunct="1">
         <a:lnSpc>
           <a:spcPct val="90000"/>
         </a:lnSpc>
         <a:spcBef>
-          <a:spcPts val="533"/>
+          <a:spcPts val="300"/>
         </a:spcBef>
         <a:buFont typeface="Arial" panose="020B0604020202020204" pitchFamily="34" charset="0"/>
         <a:buChar char="•"/>
-        <a:defRPr sz="1920" kern="1200">
+        <a:defRPr sz="1080" kern="1200">
           <a:solidFill>
             <a:schemeClr val="tx1"/>
           </a:solidFill>
@@ -3238,16 +3243,16 @@
           <a:cs typeface="+mn-cs"/>
         </a:defRPr>
       </a:lvl6pPr>
-      <a:lvl7pPr marL="3170019" indent="-243848" algn="l" defTabSz="975390" rtl="0" eaLnBrk="1" latinLnBrk="0" hangingPunct="1">
+      <a:lvl7pPr marL="1783080" indent="-137160" algn="l" defTabSz="548640" rtl="0" eaLnBrk="1" latinLnBrk="0" hangingPunct="1">
         <a:lnSpc>
           <a:spcPct val="90000"/>
         </a:lnSpc>
         <a:spcBef>
-          <a:spcPts val="533"/>
+          <a:spcPts val="300"/>
         </a:spcBef>
         <a:buFont typeface="Arial" panose="020B0604020202020204" pitchFamily="34" charset="0"/>
         <a:buChar char="•"/>
-        <a:defRPr sz="1920" kern="1200">
+        <a:defRPr sz="1080" kern="1200">
           <a:solidFill>
             <a:schemeClr val="tx1"/>
           </a:solidFill>
@@ -3256,16 +3261,16 @@
           <a:cs typeface="+mn-cs"/>
         </a:defRPr>
       </a:lvl7pPr>
-      <a:lvl8pPr marL="3657714" indent="-243848" algn="l" defTabSz="975390" rtl="0" eaLnBrk="1" latinLnBrk="0" hangingPunct="1">
+      <a:lvl8pPr marL="2057400" indent="-137160" algn="l" defTabSz="548640" rtl="0" eaLnBrk="1" latinLnBrk="0" hangingPunct="1">
         <a:lnSpc>
           <a:spcPct val="90000"/>
         </a:lnSpc>
         <a:spcBef>
-          <a:spcPts val="533"/>
+          <a:spcPts val="300"/>
         </a:spcBef>
         <a:buFont typeface="Arial" panose="020B0604020202020204" pitchFamily="34" charset="0"/>
         <a:buChar char="•"/>
-        <a:defRPr sz="1920" kern="1200">
+        <a:defRPr sz="1080" kern="1200">
           <a:solidFill>
             <a:schemeClr val="tx1"/>
           </a:solidFill>
@@ -3274,16 +3279,16 @@
           <a:cs typeface="+mn-cs"/>
         </a:defRPr>
       </a:lvl8pPr>
-      <a:lvl9pPr marL="4145410" indent="-243848" algn="l" defTabSz="975390" rtl="0" eaLnBrk="1" latinLnBrk="0" hangingPunct="1">
+      <a:lvl9pPr marL="2331720" indent="-137160" algn="l" defTabSz="548640" rtl="0" eaLnBrk="1" latinLnBrk="0" hangingPunct="1">
         <a:lnSpc>
           <a:spcPct val="90000"/>
         </a:lnSpc>
         <a:spcBef>
-          <a:spcPts val="533"/>
+          <a:spcPts val="300"/>
         </a:spcBef>
         <a:buFont typeface="Arial" panose="020B0604020202020204" pitchFamily="34" charset="0"/>
         <a:buChar char="•"/>
-        <a:defRPr sz="1920" kern="1200">
+        <a:defRPr sz="1080" kern="1200">
           <a:solidFill>
             <a:schemeClr val="tx1"/>
           </a:solidFill>
@@ -3297,8 +3302,8 @@
       <a:defPPr>
         <a:defRPr lang="en-US"/>
       </a:defPPr>
-      <a:lvl1pPr marL="0" algn="l" defTabSz="975390" rtl="0" eaLnBrk="1" latinLnBrk="0" hangingPunct="1">
-        <a:defRPr sz="1920" kern="1200">
+      <a:lvl1pPr marL="0" algn="l" defTabSz="548640" rtl="0" eaLnBrk="1" latinLnBrk="0" hangingPunct="1">
+        <a:defRPr sz="1080" kern="1200">
           <a:solidFill>
             <a:schemeClr val="tx1"/>
           </a:solidFill>
@@ -3307,8 +3312,8 @@
           <a:cs typeface="+mn-cs"/>
         </a:defRPr>
       </a:lvl1pPr>
-      <a:lvl2pPr marL="487695" algn="l" defTabSz="975390" rtl="0" eaLnBrk="1" latinLnBrk="0" hangingPunct="1">
-        <a:defRPr sz="1920" kern="1200">
+      <a:lvl2pPr marL="274320" algn="l" defTabSz="548640" rtl="0" eaLnBrk="1" latinLnBrk="0" hangingPunct="1">
+        <a:defRPr sz="1080" kern="1200">
           <a:solidFill>
             <a:schemeClr val="tx1"/>
           </a:solidFill>
@@ -3317,8 +3322,8 @@
           <a:cs typeface="+mn-cs"/>
         </a:defRPr>
       </a:lvl2pPr>
-      <a:lvl3pPr marL="975390" algn="l" defTabSz="975390" rtl="0" eaLnBrk="1" latinLnBrk="0" hangingPunct="1">
-        <a:defRPr sz="1920" kern="1200">
+      <a:lvl3pPr marL="548640" algn="l" defTabSz="548640" rtl="0" eaLnBrk="1" latinLnBrk="0" hangingPunct="1">
+        <a:defRPr sz="1080" kern="1200">
           <a:solidFill>
             <a:schemeClr val="tx1"/>
           </a:solidFill>
@@ -3327,8 +3332,8 @@
           <a:cs typeface="+mn-cs"/>
         </a:defRPr>
       </a:lvl3pPr>
-      <a:lvl4pPr marL="1463086" algn="l" defTabSz="975390" rtl="0" eaLnBrk="1" latinLnBrk="0" hangingPunct="1">
-        <a:defRPr sz="1920" kern="1200">
+      <a:lvl4pPr marL="822960" algn="l" defTabSz="548640" rtl="0" eaLnBrk="1" latinLnBrk="0" hangingPunct="1">
+        <a:defRPr sz="1080" kern="1200">
           <a:solidFill>
             <a:schemeClr val="tx1"/>
           </a:solidFill>
@@ -3337,8 +3342,8 @@
           <a:cs typeface="+mn-cs"/>
         </a:defRPr>
       </a:lvl4pPr>
-      <a:lvl5pPr marL="1950781" algn="l" defTabSz="975390" rtl="0" eaLnBrk="1" latinLnBrk="0" hangingPunct="1">
-        <a:defRPr sz="1920" kern="1200">
+      <a:lvl5pPr marL="1097280" algn="l" defTabSz="548640" rtl="0" eaLnBrk="1" latinLnBrk="0" hangingPunct="1">
+        <a:defRPr sz="1080" kern="1200">
           <a:solidFill>
             <a:schemeClr val="tx1"/>
           </a:solidFill>
@@ -3347,8 +3352,8 @@
           <a:cs typeface="+mn-cs"/>
         </a:defRPr>
       </a:lvl5pPr>
-      <a:lvl6pPr marL="2438476" algn="l" defTabSz="975390" rtl="0" eaLnBrk="1" latinLnBrk="0" hangingPunct="1">
-        <a:defRPr sz="1920" kern="1200">
+      <a:lvl6pPr marL="1371600" algn="l" defTabSz="548640" rtl="0" eaLnBrk="1" latinLnBrk="0" hangingPunct="1">
+        <a:defRPr sz="1080" kern="1200">
           <a:solidFill>
             <a:schemeClr val="tx1"/>
           </a:solidFill>
@@ -3357,8 +3362,8 @@
           <a:cs typeface="+mn-cs"/>
         </a:defRPr>
       </a:lvl6pPr>
-      <a:lvl7pPr marL="2926171" algn="l" defTabSz="975390" rtl="0" eaLnBrk="1" latinLnBrk="0" hangingPunct="1">
-        <a:defRPr sz="1920" kern="1200">
+      <a:lvl7pPr marL="1645920" algn="l" defTabSz="548640" rtl="0" eaLnBrk="1" latinLnBrk="0" hangingPunct="1">
+        <a:defRPr sz="1080" kern="1200">
           <a:solidFill>
             <a:schemeClr val="tx1"/>
           </a:solidFill>
@@ -3367,8 +3372,8 @@
           <a:cs typeface="+mn-cs"/>
         </a:defRPr>
       </a:lvl7pPr>
-      <a:lvl8pPr marL="3413867" algn="l" defTabSz="975390" rtl="0" eaLnBrk="1" latinLnBrk="0" hangingPunct="1">
-        <a:defRPr sz="1920" kern="1200">
+      <a:lvl8pPr marL="1920240" algn="l" defTabSz="548640" rtl="0" eaLnBrk="1" latinLnBrk="0" hangingPunct="1">
+        <a:defRPr sz="1080" kern="1200">
           <a:solidFill>
             <a:schemeClr val="tx1"/>
           </a:solidFill>
@@ -3377,8 +3382,8 @@
           <a:cs typeface="+mn-cs"/>
         </a:defRPr>
       </a:lvl8pPr>
-      <a:lvl9pPr marL="3901562" algn="l" defTabSz="975390" rtl="0" eaLnBrk="1" latinLnBrk="0" hangingPunct="1">
-        <a:defRPr sz="1920" kern="1200">
+      <a:lvl9pPr marL="2194560" algn="l" defTabSz="548640" rtl="0" eaLnBrk="1" latinLnBrk="0" hangingPunct="1">
+        <a:defRPr sz="1080" kern="1200">
           <a:solidFill>
             <a:schemeClr val="tx1"/>
           </a:solidFill>
@@ -3411,10 +3416,10 @@
       </p:grpSpPr>
       <p:pic>
         <p:nvPicPr>
-          <p:cNvPr id="7" name="Picture 6">
+          <p:cNvPr id="32" name="Picture 31">
             <a:extLst>
               <a:ext uri="{FF2B5EF4-FFF2-40B4-BE49-F238E27FC236}">
-                <a16:creationId xmlns:a16="http://schemas.microsoft.com/office/drawing/2014/main" id="{8234294C-23B2-CC19-228C-AF7E9A23806C}"/>
+                <a16:creationId xmlns:a16="http://schemas.microsoft.com/office/drawing/2014/main" id="{78C9D5EA-99F6-BDD0-655C-4F103763D2C8}"/>
               </a:ext>
             </a:extLst>
           </p:cNvPr>
@@ -3425,15 +3430,15 @@
         </p:nvPicPr>
         <p:blipFill>
           <a:blip r:embed="rId3"/>
-          <a:srcRect b="6142"/>
+          <a:srcRect r="18361" b="6715"/>
           <a:stretch>
             <a:fillRect/>
           </a:stretch>
         </p:blipFill>
         <p:spPr>
           <a:xfrm>
-            <a:off x="4740093" y="3080635"/>
-            <a:ext cx="5845457" cy="3657600"/>
+            <a:off x="486898" y="3716108"/>
+            <a:ext cx="4479048" cy="3411994"/>
           </a:xfrm>
           <a:prstGeom prst="rect">
             <a:avLst/>
@@ -3442,10 +3447,10 @@
       </p:pic>
       <p:pic>
         <p:nvPicPr>
-          <p:cNvPr id="12" name="Picture 11">
+          <p:cNvPr id="29" name="Picture 28">
             <a:extLst>
               <a:ext uri="{FF2B5EF4-FFF2-40B4-BE49-F238E27FC236}">
-                <a16:creationId xmlns:a16="http://schemas.microsoft.com/office/drawing/2014/main" id="{E3130942-3E27-D4C9-7DF8-89302D5961C2}"/>
+                <a16:creationId xmlns:a16="http://schemas.microsoft.com/office/drawing/2014/main" id="{6745FF11-B1FA-4FDE-E5D8-891D74B7E64F}"/>
               </a:ext>
             </a:extLst>
           </p:cNvPr>
@@ -3456,15 +3461,46 @@
         </p:nvPicPr>
         <p:blipFill>
           <a:blip r:embed="rId4"/>
-          <a:srcRect r="20431" b="6142"/>
+          <a:srcRect r="18361" b="6963"/>
           <a:stretch>
             <a:fillRect/>
           </a:stretch>
         </p:blipFill>
         <p:spPr>
           <a:xfrm>
-            <a:off x="88904" y="3081528"/>
-            <a:ext cx="4651189" cy="3657600"/>
+            <a:off x="486898" y="7618484"/>
+            <a:ext cx="4479048" cy="3402898"/>
+          </a:xfrm>
+          <a:prstGeom prst="rect">
+            <a:avLst/>
+          </a:prstGeom>
+        </p:spPr>
+      </p:pic>
+      <p:pic>
+        <p:nvPicPr>
+          <p:cNvPr id="21" name="Picture 20">
+            <a:extLst>
+              <a:ext uri="{FF2B5EF4-FFF2-40B4-BE49-F238E27FC236}">
+                <a16:creationId xmlns:a16="http://schemas.microsoft.com/office/drawing/2014/main" id="{649E9645-7D7F-CD9B-BBA8-F67C9847D61A}"/>
+              </a:ext>
+            </a:extLst>
+          </p:cNvPr>
+          <p:cNvPicPr>
+            <a:picLocks/>
+          </p:cNvPicPr>
+          <p:nvPr/>
+        </p:nvPicPr>
+        <p:blipFill>
+          <a:blip r:embed="rId5"/>
+          <a:srcRect b="3543"/>
+          <a:stretch>
+            <a:fillRect/>
+          </a:stretch>
+        </p:blipFill>
+        <p:spPr>
+          <a:xfrm>
+            <a:off x="303786" y="107592"/>
+            <a:ext cx="4480560" cy="3439807"/>
           </a:xfrm>
           <a:prstGeom prst="rect">
             <a:avLst/>
@@ -3485,8 +3521,8 @@
         </p:nvSpPr>
         <p:spPr>
           <a:xfrm>
-            <a:off x="-120300" y="2886736"/>
-            <a:ext cx="594361" cy="387798"/>
+            <a:off x="182117" y="3728389"/>
+            <a:ext cx="396241" cy="307777"/>
           </a:xfrm>
           <a:prstGeom prst="rect">
             <a:avLst/>
@@ -3501,115 +3537,9 @@
           <a:p>
             <a:pPr algn="ctr"/>
             <a:r>
-              <a:rPr lang="en-US" sz="1920" dirty="0"/>
-              <a:t>C</a:t>
-            </a:r>
-          </a:p>
-        </p:txBody>
-      </p:sp>
-      <p:sp>
-        <p:nvSpPr>
-          <p:cNvPr id="9" name="TextBox 8">
-            <a:extLst>
-              <a:ext uri="{FF2B5EF4-FFF2-40B4-BE49-F238E27FC236}">
-                <a16:creationId xmlns:a16="http://schemas.microsoft.com/office/drawing/2014/main" id="{7B3FABD7-3357-9B59-FAFB-FEF737C7204F}"/>
-              </a:ext>
-            </a:extLst>
-          </p:cNvPr>
-          <p:cNvSpPr txBox="1"/>
-          <p:nvPr/>
-        </p:nvSpPr>
-        <p:spPr>
-          <a:xfrm>
-            <a:off x="4616445" y="2886736"/>
-            <a:ext cx="594361" cy="387798"/>
-          </a:xfrm>
-          <a:prstGeom prst="rect">
-            <a:avLst/>
-          </a:prstGeom>
-          <a:noFill/>
-        </p:spPr>
-        <p:txBody>
-          <a:bodyPr wrap="square" rtlCol="0">
-            <a:spAutoFit/>
-          </a:bodyPr>
-          <a:lstStyle/>
-          <a:p>
-            <a:pPr algn="ctr"/>
-            <a:r>
-              <a:rPr lang="en-US" sz="1920" dirty="0"/>
-              <a:t>D</a:t>
-            </a:r>
-          </a:p>
-        </p:txBody>
-      </p:sp>
-      <p:sp>
-        <p:nvSpPr>
-          <p:cNvPr id="14" name="TextBox 13">
-            <a:extLst>
-              <a:ext uri="{FF2B5EF4-FFF2-40B4-BE49-F238E27FC236}">
-                <a16:creationId xmlns:a16="http://schemas.microsoft.com/office/drawing/2014/main" id="{9D7B0498-9765-C836-6C72-F835B9C7CC6E}"/>
-              </a:ext>
-            </a:extLst>
-          </p:cNvPr>
-          <p:cNvSpPr txBox="1"/>
-          <p:nvPr/>
-        </p:nvSpPr>
-        <p:spPr>
-          <a:xfrm>
-            <a:off x="0" y="34456"/>
-            <a:ext cx="594361" cy="387798"/>
-          </a:xfrm>
-          <a:prstGeom prst="rect">
-            <a:avLst/>
-          </a:prstGeom>
-          <a:noFill/>
-        </p:spPr>
-        <p:txBody>
-          <a:bodyPr wrap="square" rtlCol="0">
-            <a:spAutoFit/>
-          </a:bodyPr>
-          <a:lstStyle/>
-          <a:p>
-            <a:pPr algn="ctr"/>
-            <a:r>
-              <a:rPr lang="en-US" sz="1920" dirty="0"/>
-              <a:t>A</a:t>
-            </a:r>
-          </a:p>
-        </p:txBody>
-      </p:sp>
-      <p:sp>
-        <p:nvSpPr>
-          <p:cNvPr id="15" name="TextBox 14">
-            <a:extLst>
-              <a:ext uri="{FF2B5EF4-FFF2-40B4-BE49-F238E27FC236}">
-                <a16:creationId xmlns:a16="http://schemas.microsoft.com/office/drawing/2014/main" id="{DA588077-D051-4489-E260-B779D7712B89}"/>
-              </a:ext>
-            </a:extLst>
-          </p:cNvPr>
-          <p:cNvSpPr txBox="1"/>
-          <p:nvPr/>
-        </p:nvSpPr>
-        <p:spPr>
-          <a:xfrm>
-            <a:off x="4913626" y="34456"/>
-            <a:ext cx="551185" cy="387798"/>
-          </a:xfrm>
-          <a:prstGeom prst="rect">
-            <a:avLst/>
-          </a:prstGeom>
-          <a:noFill/>
-        </p:spPr>
-        <p:txBody>
-          <a:bodyPr wrap="square" rtlCol="0">
-            <a:spAutoFit/>
-          </a:bodyPr>
-          <a:lstStyle/>
-          <a:p>
-            <a:pPr algn="ctr"/>
-            <a:r>
-              <a:rPr lang="en-US" sz="1920" dirty="0"/>
+              <a:rPr lang="en-US" sz="1400" dirty="0">
+                <a:latin typeface="Helvetica" pitchFamily="2" charset="0"/>
+              </a:rPr>
               <a:t>B</a:t>
             </a:r>
           </a:p>
@@ -3629,8 +3559,8 @@
         </p:nvSpPr>
         <p:spPr>
           <a:xfrm>
-            <a:off x="355687" y="6766560"/>
-            <a:ext cx="1444487" cy="261610"/>
+            <a:off x="1005978" y="7212708"/>
+            <a:ext cx="962991" cy="246221"/>
           </a:xfrm>
           <a:prstGeom prst="rect">
             <a:avLst/>
@@ -3645,7 +3575,7 @@
           <a:p>
             <a:pPr algn="ctr"/>
             <a:r>
-              <a:rPr lang="en-US" sz="1100" dirty="0">
+              <a:rPr lang="en-US" sz="1000" dirty="0">
                 <a:latin typeface="Helvetica" pitchFamily="2" charset="0"/>
               </a:rPr>
               <a:t>Southern</a:t>
@@ -3667,8 +3597,8 @@
         </p:nvSpPr>
         <p:spPr>
           <a:xfrm>
-            <a:off x="1735075" y="6766560"/>
-            <a:ext cx="914052" cy="261610"/>
+            <a:off x="2150170" y="7211097"/>
+            <a:ext cx="609368" cy="246221"/>
           </a:xfrm>
           <a:prstGeom prst="rect">
             <a:avLst/>
@@ -3683,7 +3613,7 @@
           <a:p>
             <a:pPr algn="ctr"/>
             <a:r>
-              <a:rPr lang="en-US" sz="1100" dirty="0">
+              <a:rPr lang="en-US" sz="1000" dirty="0">
                 <a:latin typeface="Helvetica" pitchFamily="2" charset="0"/>
               </a:rPr>
               <a:t>Local</a:t>
@@ -3705,8 +3635,8 @@
         </p:nvSpPr>
         <p:spPr>
           <a:xfrm>
-            <a:off x="2507805" y="6771123"/>
-            <a:ext cx="1045483" cy="261610"/>
+            <a:off x="2881249" y="7225975"/>
+            <a:ext cx="696989" cy="246221"/>
           </a:xfrm>
           <a:prstGeom prst="rect">
             <a:avLst/>
@@ -3721,7 +3651,7 @@
           <a:p>
             <a:pPr algn="ctr"/>
             <a:r>
-              <a:rPr lang="en-US" sz="1100" dirty="0">
+              <a:rPr lang="en-US" sz="1000" dirty="0">
                 <a:latin typeface="Helvetica" pitchFamily="2" charset="0"/>
               </a:rPr>
               <a:t>Northern</a:t>
@@ -3743,8 +3673,8 @@
         </p:nvSpPr>
         <p:spPr>
           <a:xfrm>
-            <a:off x="3238075" y="6766560"/>
-            <a:ext cx="1444487" cy="261610"/>
+            <a:off x="3662796" y="7214088"/>
+            <a:ext cx="962991" cy="246221"/>
           </a:xfrm>
           <a:prstGeom prst="rect">
             <a:avLst/>
@@ -3759,10 +3689,10 @@
           <a:p>
             <a:pPr algn="ctr"/>
             <a:r>
-              <a:rPr lang="en-US" sz="1100" dirty="0">
+              <a:rPr lang="en-US" sz="1000" dirty="0">
                 <a:latin typeface="Helvetica" pitchFamily="2" charset="0"/>
               </a:rPr>
-              <a:t>Diversity</a:t>
+              <a:t>Polyculture</a:t>
             </a:r>
           </a:p>
         </p:txBody>
@@ -3781,8 +3711,8 @@
         </p:nvSpPr>
         <p:spPr>
           <a:xfrm>
-            <a:off x="1406326" y="7015233"/>
-            <a:ext cx="1571551" cy="276999"/>
+            <a:off x="1841920" y="6928491"/>
+            <a:ext cx="1802560" cy="246221"/>
           </a:xfrm>
           <a:prstGeom prst="rect">
             <a:avLst/>
@@ -3797,7 +3727,7 @@
           <a:p>
             <a:pPr algn="ctr"/>
             <a:r>
-              <a:rPr lang="en-US" sz="1200" dirty="0">
+              <a:rPr lang="en-US" sz="1000" dirty="0">
                 <a:latin typeface="Helvetica" pitchFamily="2" charset="0"/>
               </a:rPr>
               <a:t>Treatment Group</a:t>
@@ -3819,8 +3749,8 @@
         </p:nvSpPr>
         <p:spPr>
           <a:xfrm rot="5400000">
-            <a:off x="3913712" y="6112949"/>
-            <a:ext cx="93215" cy="1212478"/>
+            <a:off x="4112288" y="6607911"/>
+            <a:ext cx="64008" cy="1209254"/>
           </a:xfrm>
           <a:prstGeom prst="rightBracket">
             <a:avLst/>
@@ -3851,7 +3781,7 @@
           <a:lstStyle/>
           <a:p>
             <a:pPr algn="ctr"/>
-            <a:endParaRPr lang="en-US"/>
+            <a:endParaRPr lang="en-US" sz="1200"/>
           </a:p>
         </p:txBody>
       </p:sp>
@@ -3869,8 +3799,8 @@
         </p:nvSpPr>
         <p:spPr>
           <a:xfrm rot="5400000">
-            <a:off x="2984827" y="6429994"/>
-            <a:ext cx="91440" cy="580161"/>
+            <a:off x="3204835" y="6931612"/>
+            <a:ext cx="63304" cy="563110"/>
           </a:xfrm>
           <a:prstGeom prst="rightBracket">
             <a:avLst/>
@@ -3901,7 +3831,7 @@
           <a:lstStyle/>
           <a:p>
             <a:pPr algn="ctr"/>
-            <a:endParaRPr lang="en-US"/>
+            <a:endParaRPr lang="en-US" sz="1200"/>
           </a:p>
         </p:txBody>
       </p:sp>
@@ -3919,8 +3849,8 @@
         </p:nvSpPr>
         <p:spPr>
           <a:xfrm rot="5400000">
-            <a:off x="1032211" y="6142933"/>
-            <a:ext cx="91440" cy="1150731"/>
+            <a:off x="1448077" y="6728607"/>
+            <a:ext cx="57170" cy="962992"/>
           </a:xfrm>
           <a:prstGeom prst="rightBracket">
             <a:avLst/>
@@ -3951,7 +3881,7 @@
           <a:lstStyle/>
           <a:p>
             <a:pPr algn="ctr"/>
-            <a:endParaRPr lang="en-US"/>
+            <a:endParaRPr lang="en-US" sz="1200"/>
           </a:p>
         </p:txBody>
       </p:sp>
@@ -3969,8 +3899,8 @@
         </p:nvSpPr>
         <p:spPr>
           <a:xfrm rot="5400000">
-            <a:off x="2151277" y="6211443"/>
-            <a:ext cx="91440" cy="1013712"/>
+            <a:off x="2424542" y="6733004"/>
+            <a:ext cx="64008" cy="953525"/>
           </a:xfrm>
           <a:prstGeom prst="rightBracket">
             <a:avLst/>
@@ -4001,159 +3931,7 @@
           <a:lstStyle/>
           <a:p>
             <a:pPr algn="ctr"/>
-            <a:endParaRPr lang="en-US"/>
-          </a:p>
-        </p:txBody>
-      </p:sp>
-      <p:sp>
-        <p:nvSpPr>
-          <p:cNvPr id="27" name="TextBox 26">
-            <a:extLst>
-              <a:ext uri="{FF2B5EF4-FFF2-40B4-BE49-F238E27FC236}">
-                <a16:creationId xmlns:a16="http://schemas.microsoft.com/office/drawing/2014/main" id="{298DF18C-621C-CF34-38DE-97665F259AFE}"/>
-              </a:ext>
-            </a:extLst>
-          </p:cNvPr>
-          <p:cNvSpPr txBox="1"/>
-          <p:nvPr/>
-        </p:nvSpPr>
-        <p:spPr>
-          <a:xfrm>
-            <a:off x="5029985" y="6766560"/>
-            <a:ext cx="1444487" cy="261610"/>
-          </a:xfrm>
-          <a:prstGeom prst="rect">
-            <a:avLst/>
-          </a:prstGeom>
-          <a:noFill/>
-        </p:spPr>
-        <p:txBody>
-          <a:bodyPr wrap="square" rtlCol="0">
-            <a:spAutoFit/>
-          </a:bodyPr>
-          <a:lstStyle/>
-          <a:p>
-            <a:pPr algn="ctr"/>
-            <a:r>
-              <a:rPr lang="en-US" sz="1100" dirty="0">
-                <a:latin typeface="Helvetica" pitchFamily="2" charset="0"/>
-              </a:rPr>
-              <a:t>Southern</a:t>
-            </a:r>
-          </a:p>
-        </p:txBody>
-      </p:sp>
-      <p:sp>
-        <p:nvSpPr>
-          <p:cNvPr id="28" name="TextBox 27">
-            <a:extLst>
-              <a:ext uri="{FF2B5EF4-FFF2-40B4-BE49-F238E27FC236}">
-                <a16:creationId xmlns:a16="http://schemas.microsoft.com/office/drawing/2014/main" id="{D941861D-2B20-458B-76D7-9B7C8DE88E87}"/>
-              </a:ext>
-            </a:extLst>
-          </p:cNvPr>
-          <p:cNvSpPr txBox="1"/>
-          <p:nvPr/>
-        </p:nvSpPr>
-        <p:spPr>
-          <a:xfrm>
-            <a:off x="6409373" y="6766560"/>
-            <a:ext cx="914052" cy="261610"/>
-          </a:xfrm>
-          <a:prstGeom prst="rect">
-            <a:avLst/>
-          </a:prstGeom>
-          <a:noFill/>
-        </p:spPr>
-        <p:txBody>
-          <a:bodyPr wrap="square" rtlCol="0">
-            <a:spAutoFit/>
-          </a:bodyPr>
-          <a:lstStyle/>
-          <a:p>
-            <a:pPr algn="ctr"/>
-            <a:r>
-              <a:rPr lang="en-US" sz="1100" dirty="0">
-                <a:latin typeface="Helvetica" pitchFamily="2" charset="0"/>
-              </a:rPr>
-              <a:t>Local</a:t>
-            </a:r>
-          </a:p>
-        </p:txBody>
-      </p:sp>
-      <p:sp>
-        <p:nvSpPr>
-          <p:cNvPr id="29" name="TextBox 28">
-            <a:extLst>
-              <a:ext uri="{FF2B5EF4-FFF2-40B4-BE49-F238E27FC236}">
-                <a16:creationId xmlns:a16="http://schemas.microsoft.com/office/drawing/2014/main" id="{21449316-21EC-62D3-DCA9-3A8BE4E14256}"/>
-              </a:ext>
-            </a:extLst>
-          </p:cNvPr>
-          <p:cNvSpPr txBox="1"/>
-          <p:nvPr/>
-        </p:nvSpPr>
-        <p:spPr>
-          <a:xfrm>
-            <a:off x="7182103" y="6766560"/>
-            <a:ext cx="1045483" cy="261610"/>
-          </a:xfrm>
-          <a:prstGeom prst="rect">
-            <a:avLst/>
-          </a:prstGeom>
-          <a:noFill/>
-        </p:spPr>
-        <p:txBody>
-          <a:bodyPr wrap="square" rtlCol="0">
-            <a:spAutoFit/>
-          </a:bodyPr>
-          <a:lstStyle/>
-          <a:p>
-            <a:pPr algn="ctr"/>
-            <a:r>
-              <a:rPr lang="en-US" sz="1100" dirty="0">
-                <a:latin typeface="Helvetica" pitchFamily="2" charset="0"/>
-              </a:rPr>
-              <a:t>Northern</a:t>
-            </a:r>
-          </a:p>
-        </p:txBody>
-      </p:sp>
-      <p:sp>
-        <p:nvSpPr>
-          <p:cNvPr id="30" name="TextBox 29">
-            <a:extLst>
-              <a:ext uri="{FF2B5EF4-FFF2-40B4-BE49-F238E27FC236}">
-                <a16:creationId xmlns:a16="http://schemas.microsoft.com/office/drawing/2014/main" id="{C49AC2BC-09F7-7AF6-5777-D5ADBC7046A8}"/>
-              </a:ext>
-            </a:extLst>
-          </p:cNvPr>
-          <p:cNvSpPr txBox="1"/>
-          <p:nvPr/>
-        </p:nvSpPr>
-        <p:spPr>
-          <a:xfrm>
-            <a:off x="7912373" y="6766560"/>
-            <a:ext cx="1444487" cy="261610"/>
-          </a:xfrm>
-          <a:prstGeom prst="rect">
-            <a:avLst/>
-          </a:prstGeom>
-          <a:noFill/>
-        </p:spPr>
-        <p:txBody>
-          <a:bodyPr wrap="square" rtlCol="0">
-            <a:spAutoFit/>
-          </a:bodyPr>
-          <a:lstStyle/>
-          <a:p>
-            <a:pPr algn="ctr"/>
-            <a:r>
-              <a:rPr lang="en-US" sz="1100" dirty="0">
-                <a:latin typeface="Helvetica" pitchFamily="2" charset="0"/>
-              </a:rPr>
-              <a:t>Diversity</a:t>
-            </a:r>
+            <a:endParaRPr lang="en-US" sz="1200"/>
           </a:p>
         </p:txBody>
       </p:sp>
@@ -4171,8 +3949,8 @@
         </p:nvSpPr>
         <p:spPr>
           <a:xfrm>
-            <a:off x="6080624" y="7054115"/>
-            <a:ext cx="1571551" cy="276999"/>
+            <a:off x="2045007" y="10754808"/>
+            <a:ext cx="1472574" cy="246221"/>
           </a:xfrm>
           <a:prstGeom prst="rect">
             <a:avLst/>
@@ -4187,7 +3965,7 @@
           <a:p>
             <a:pPr algn="ctr"/>
             <a:r>
-              <a:rPr lang="en-US" sz="1200" dirty="0">
+              <a:rPr lang="en-US" sz="1000" dirty="0">
                 <a:latin typeface="Helvetica" pitchFamily="2" charset="0"/>
               </a:rPr>
               <a:t>Treatment Group</a:t>
@@ -4195,287 +3973,6 @@
           </a:p>
         </p:txBody>
       </p:sp>
-      <p:sp>
-        <p:nvSpPr>
-          <p:cNvPr id="32" name="Right Bracket 31">
-            <a:extLst>
-              <a:ext uri="{FF2B5EF4-FFF2-40B4-BE49-F238E27FC236}">
-                <a16:creationId xmlns:a16="http://schemas.microsoft.com/office/drawing/2014/main" id="{440991E1-693D-6879-3BAA-9D13A98D0E3D}"/>
-              </a:ext>
-            </a:extLst>
-          </p:cNvPr>
-          <p:cNvSpPr/>
-          <p:nvPr/>
-        </p:nvSpPr>
-        <p:spPr>
-          <a:xfrm rot="5400000">
-            <a:off x="8588010" y="6112147"/>
-            <a:ext cx="93215" cy="1212478"/>
-          </a:xfrm>
-          <a:prstGeom prst="rightBracket">
-            <a:avLst/>
-          </a:prstGeom>
-          <a:noFill/>
-          <a:ln w="12700">
-            <a:solidFill>
-              <a:schemeClr val="tx1"/>
-            </a:solidFill>
-          </a:ln>
-        </p:spPr>
-        <p:style>
-          <a:lnRef idx="2">
-            <a:schemeClr val="accent1"/>
-          </a:lnRef>
-          <a:fillRef idx="0">
-            <a:schemeClr val="accent1"/>
-          </a:fillRef>
-          <a:effectRef idx="1">
-            <a:schemeClr val="accent1"/>
-          </a:effectRef>
-          <a:fontRef idx="minor">
-            <a:schemeClr val="tx1"/>
-          </a:fontRef>
-        </p:style>
-        <p:txBody>
-          <a:bodyPr rtlCol="0" anchor="ctr"/>
-          <a:lstStyle/>
-          <a:p>
-            <a:pPr algn="ctr"/>
-            <a:endParaRPr lang="en-US"/>
-          </a:p>
-        </p:txBody>
-      </p:sp>
-      <p:sp>
-        <p:nvSpPr>
-          <p:cNvPr id="33" name="Right Bracket 32">
-            <a:extLst>
-              <a:ext uri="{FF2B5EF4-FFF2-40B4-BE49-F238E27FC236}">
-                <a16:creationId xmlns:a16="http://schemas.microsoft.com/office/drawing/2014/main" id="{E5398A10-1172-C6D4-AF42-5BD1FEF84609}"/>
-              </a:ext>
-            </a:extLst>
-          </p:cNvPr>
-          <p:cNvSpPr/>
-          <p:nvPr/>
-        </p:nvSpPr>
-        <p:spPr>
-          <a:xfrm rot="5400000">
-            <a:off x="7659125" y="6429192"/>
-            <a:ext cx="91440" cy="580161"/>
-          </a:xfrm>
-          <a:prstGeom prst="rightBracket">
-            <a:avLst/>
-          </a:prstGeom>
-          <a:noFill/>
-          <a:ln w="12700">
-            <a:solidFill>
-              <a:schemeClr val="tx1"/>
-            </a:solidFill>
-          </a:ln>
-        </p:spPr>
-        <p:style>
-          <a:lnRef idx="2">
-            <a:schemeClr val="accent1"/>
-          </a:lnRef>
-          <a:fillRef idx="0">
-            <a:schemeClr val="accent1"/>
-          </a:fillRef>
-          <a:effectRef idx="1">
-            <a:schemeClr val="accent1"/>
-          </a:effectRef>
-          <a:fontRef idx="minor">
-            <a:schemeClr val="tx1"/>
-          </a:fontRef>
-        </p:style>
-        <p:txBody>
-          <a:bodyPr rtlCol="0" anchor="ctr"/>
-          <a:lstStyle/>
-          <a:p>
-            <a:pPr algn="ctr"/>
-            <a:endParaRPr lang="en-US"/>
-          </a:p>
-        </p:txBody>
-      </p:sp>
-      <p:sp>
-        <p:nvSpPr>
-          <p:cNvPr id="34" name="Right Bracket 33">
-            <a:extLst>
-              <a:ext uri="{FF2B5EF4-FFF2-40B4-BE49-F238E27FC236}">
-                <a16:creationId xmlns:a16="http://schemas.microsoft.com/office/drawing/2014/main" id="{49BC0B9C-CE3E-0226-44A7-04053D27CE30}"/>
-              </a:ext>
-            </a:extLst>
-          </p:cNvPr>
-          <p:cNvSpPr/>
-          <p:nvPr/>
-        </p:nvSpPr>
-        <p:spPr>
-          <a:xfrm rot="5400000">
-            <a:off x="5710242" y="6144130"/>
-            <a:ext cx="91440" cy="1150731"/>
-          </a:xfrm>
-          <a:prstGeom prst="rightBracket">
-            <a:avLst/>
-          </a:prstGeom>
-          <a:noFill/>
-          <a:ln w="12700">
-            <a:solidFill>
-              <a:schemeClr val="tx1"/>
-            </a:solidFill>
-          </a:ln>
-        </p:spPr>
-        <p:style>
-          <a:lnRef idx="2">
-            <a:schemeClr val="accent1"/>
-          </a:lnRef>
-          <a:fillRef idx="0">
-            <a:schemeClr val="accent1"/>
-          </a:fillRef>
-          <a:effectRef idx="1">
-            <a:schemeClr val="accent1"/>
-          </a:effectRef>
-          <a:fontRef idx="minor">
-            <a:schemeClr val="tx1"/>
-          </a:fontRef>
-        </p:style>
-        <p:txBody>
-          <a:bodyPr rtlCol="0" anchor="ctr"/>
-          <a:lstStyle/>
-          <a:p>
-            <a:pPr algn="ctr"/>
-            <a:endParaRPr lang="en-US"/>
-          </a:p>
-        </p:txBody>
-      </p:sp>
-      <p:sp>
-        <p:nvSpPr>
-          <p:cNvPr id="35" name="Right Bracket 34">
-            <a:extLst>
-              <a:ext uri="{FF2B5EF4-FFF2-40B4-BE49-F238E27FC236}">
-                <a16:creationId xmlns:a16="http://schemas.microsoft.com/office/drawing/2014/main" id="{6E52C11D-8EC0-5DF7-BB8F-7755290625A2}"/>
-              </a:ext>
-            </a:extLst>
-          </p:cNvPr>
-          <p:cNvSpPr/>
-          <p:nvPr/>
-        </p:nvSpPr>
-        <p:spPr>
-          <a:xfrm rot="5400000">
-            <a:off x="6825575" y="6210214"/>
-            <a:ext cx="91440" cy="1013712"/>
-          </a:xfrm>
-          <a:prstGeom prst="rightBracket">
-            <a:avLst/>
-          </a:prstGeom>
-          <a:noFill/>
-          <a:ln w="12700">
-            <a:solidFill>
-              <a:schemeClr val="tx1"/>
-            </a:solidFill>
-          </a:ln>
-        </p:spPr>
-        <p:style>
-          <a:lnRef idx="2">
-            <a:schemeClr val="accent1"/>
-          </a:lnRef>
-          <a:fillRef idx="0">
-            <a:schemeClr val="accent1"/>
-          </a:fillRef>
-          <a:effectRef idx="1">
-            <a:schemeClr val="accent1"/>
-          </a:effectRef>
-          <a:fontRef idx="minor">
-            <a:schemeClr val="tx1"/>
-          </a:fontRef>
-        </p:style>
-        <p:txBody>
-          <a:bodyPr rtlCol="0" anchor="ctr"/>
-          <a:lstStyle/>
-          <a:p>
-            <a:pPr algn="ctr"/>
-            <a:endParaRPr lang="en-US"/>
-          </a:p>
-        </p:txBody>
-      </p:sp>
-      <p:sp>
-        <p:nvSpPr>
-          <p:cNvPr id="36" name="TextBox 35">
-            <a:extLst>
-              <a:ext uri="{FF2B5EF4-FFF2-40B4-BE49-F238E27FC236}">
-                <a16:creationId xmlns:a16="http://schemas.microsoft.com/office/drawing/2014/main" id="{793378FE-64F7-34D1-20B8-266704535479}"/>
-              </a:ext>
-            </a:extLst>
-          </p:cNvPr>
-          <p:cNvSpPr txBox="1"/>
-          <p:nvPr/>
-        </p:nvSpPr>
-        <p:spPr>
-          <a:xfrm>
-            <a:off x="9732957" y="3889621"/>
-            <a:ext cx="1140429" cy="430887"/>
-          </a:xfrm>
-          <a:prstGeom prst="rect">
-            <a:avLst/>
-          </a:prstGeom>
-          <a:noFill/>
-        </p:spPr>
-        <p:txBody>
-          <a:bodyPr wrap="square" rtlCol="0">
-            <a:spAutoFit/>
-          </a:bodyPr>
-          <a:lstStyle/>
-          <a:p>
-            <a:r>
-              <a:rPr lang="en-US" sz="1100" dirty="0">
-                <a:latin typeface="Helvetica" pitchFamily="2" charset="0"/>
-                <a:cs typeface="Arial Narrow" panose="020B0604020202020204" pitchFamily="34" charset="0"/>
-              </a:rPr>
-              <a:t>Significance lines</a:t>
-            </a:r>
-          </a:p>
-        </p:txBody>
-      </p:sp>
-      <p:cxnSp>
-        <p:nvCxnSpPr>
-          <p:cNvPr id="37" name="Straight Connector 36">
-            <a:extLst>
-              <a:ext uri="{FF2B5EF4-FFF2-40B4-BE49-F238E27FC236}">
-                <a16:creationId xmlns:a16="http://schemas.microsoft.com/office/drawing/2014/main" id="{A5124B35-EEA6-C73E-6508-6F423985310B}"/>
-              </a:ext>
-            </a:extLst>
-          </p:cNvPr>
-          <p:cNvCxnSpPr>
-            <a:cxnSpLocks/>
-          </p:cNvCxnSpPr>
-          <p:nvPr/>
-        </p:nvCxnSpPr>
-        <p:spPr>
-          <a:xfrm flipH="1">
-            <a:off x="9575249" y="4104186"/>
-            <a:ext cx="119305" cy="0"/>
-          </a:xfrm>
-          <a:prstGeom prst="line">
-            <a:avLst/>
-          </a:prstGeom>
-          <a:ln w="19050">
-            <a:solidFill>
-              <a:srgbClr val="8A8989"/>
-            </a:solidFill>
-          </a:ln>
-        </p:spPr>
-        <p:style>
-          <a:lnRef idx="2">
-            <a:schemeClr val="accent1"/>
-          </a:lnRef>
-          <a:fillRef idx="0">
-            <a:schemeClr val="accent1"/>
-          </a:fillRef>
-          <a:effectRef idx="1">
-            <a:schemeClr val="accent1"/>
-          </a:effectRef>
-          <a:fontRef idx="minor">
-            <a:schemeClr val="tx1"/>
-          </a:fontRef>
-        </p:style>
-      </p:cxnSp>
       <p:sp>
         <p:nvSpPr>
           <p:cNvPr id="41" name="Rectangle 40">
@@ -4490,8 +3987,8 @@
         </p:nvSpPr>
         <p:spPr>
           <a:xfrm>
-            <a:off x="297180" y="3546389"/>
-            <a:ext cx="297181" cy="343232"/>
+            <a:off x="552451" y="4149157"/>
+            <a:ext cx="265449" cy="228821"/>
           </a:xfrm>
           <a:prstGeom prst="rect">
             <a:avLst/>
@@ -4526,7 +4023,7 @@
           <a:lstStyle/>
           <a:p>
             <a:pPr algn="ctr"/>
-            <a:endParaRPr lang="en-US"/>
+            <a:endParaRPr lang="en-US" sz="1200"/>
           </a:p>
         </p:txBody>
       </p:sp>
@@ -4544,8 +4041,8 @@
         </p:nvSpPr>
         <p:spPr>
           <a:xfrm>
-            <a:off x="4990290" y="3546389"/>
-            <a:ext cx="334248" cy="343232"/>
+            <a:off x="724014" y="8120206"/>
+            <a:ext cx="312665" cy="383967"/>
           </a:xfrm>
           <a:prstGeom prst="rect">
             <a:avLst/>
@@ -4580,7 +4077,565 @@
           <a:lstStyle/>
           <a:p>
             <a:pPr algn="ctr"/>
-            <a:endParaRPr lang="en-US"/>
+            <a:endParaRPr lang="en-US" sz="1200"/>
+          </a:p>
+        </p:txBody>
+      </p:sp>
+      <p:sp>
+        <p:nvSpPr>
+          <p:cNvPr id="2" name="TextBox 1">
+            <a:extLst>
+              <a:ext uri="{FF2B5EF4-FFF2-40B4-BE49-F238E27FC236}">
+                <a16:creationId xmlns:a16="http://schemas.microsoft.com/office/drawing/2014/main" id="{84128A4F-C4DC-5057-3E27-171EA930B75E}"/>
+              </a:ext>
+            </a:extLst>
+          </p:cNvPr>
+          <p:cNvSpPr txBox="1"/>
+          <p:nvPr/>
+        </p:nvSpPr>
+        <p:spPr>
+          <a:xfrm>
+            <a:off x="990546" y="11080893"/>
+            <a:ext cx="962991" cy="246221"/>
+          </a:xfrm>
+          <a:prstGeom prst="rect">
+            <a:avLst/>
+          </a:prstGeom>
+          <a:noFill/>
+        </p:spPr>
+        <p:txBody>
+          <a:bodyPr wrap="square" rtlCol="0">
+            <a:spAutoFit/>
+          </a:bodyPr>
+          <a:lstStyle/>
+          <a:p>
+            <a:pPr algn="ctr"/>
+            <a:r>
+              <a:rPr lang="en-US" sz="1000" dirty="0">
+                <a:latin typeface="Helvetica" pitchFamily="2" charset="0"/>
+              </a:rPr>
+              <a:t>Southern</a:t>
+            </a:r>
+          </a:p>
+        </p:txBody>
+      </p:sp>
+      <p:sp>
+        <p:nvSpPr>
+          <p:cNvPr id="3" name="TextBox 2">
+            <a:extLst>
+              <a:ext uri="{FF2B5EF4-FFF2-40B4-BE49-F238E27FC236}">
+                <a16:creationId xmlns:a16="http://schemas.microsoft.com/office/drawing/2014/main" id="{DF8B1406-8C54-2C82-DBA2-A3CB78525591}"/>
+              </a:ext>
+            </a:extLst>
+          </p:cNvPr>
+          <p:cNvSpPr txBox="1"/>
+          <p:nvPr/>
+        </p:nvSpPr>
+        <p:spPr>
+          <a:xfrm>
+            <a:off x="2150023" y="11083432"/>
+            <a:ext cx="609368" cy="246221"/>
+          </a:xfrm>
+          <a:prstGeom prst="rect">
+            <a:avLst/>
+          </a:prstGeom>
+          <a:noFill/>
+        </p:spPr>
+        <p:txBody>
+          <a:bodyPr wrap="square" rtlCol="0">
+            <a:spAutoFit/>
+          </a:bodyPr>
+          <a:lstStyle/>
+          <a:p>
+            <a:pPr algn="ctr"/>
+            <a:r>
+              <a:rPr lang="en-US" sz="1000" dirty="0">
+                <a:latin typeface="Helvetica" pitchFamily="2" charset="0"/>
+              </a:rPr>
+              <a:t>Local</a:t>
+            </a:r>
+          </a:p>
+        </p:txBody>
+      </p:sp>
+      <p:sp>
+        <p:nvSpPr>
+          <p:cNvPr id="5" name="TextBox 4">
+            <a:extLst>
+              <a:ext uri="{FF2B5EF4-FFF2-40B4-BE49-F238E27FC236}">
+                <a16:creationId xmlns:a16="http://schemas.microsoft.com/office/drawing/2014/main" id="{4F949A8D-ECFD-B7A6-3900-1B821967E488}"/>
+              </a:ext>
+            </a:extLst>
+          </p:cNvPr>
+          <p:cNvSpPr txBox="1"/>
+          <p:nvPr/>
+        </p:nvSpPr>
+        <p:spPr>
+          <a:xfrm>
+            <a:off x="2883943" y="11087887"/>
+            <a:ext cx="696989" cy="246221"/>
+          </a:xfrm>
+          <a:prstGeom prst="rect">
+            <a:avLst/>
+          </a:prstGeom>
+          <a:noFill/>
+        </p:spPr>
+        <p:txBody>
+          <a:bodyPr wrap="square" rtlCol="0">
+            <a:spAutoFit/>
+          </a:bodyPr>
+          <a:lstStyle/>
+          <a:p>
+            <a:pPr algn="ctr"/>
+            <a:r>
+              <a:rPr lang="en-US" sz="1000" dirty="0">
+                <a:latin typeface="Helvetica" pitchFamily="2" charset="0"/>
+              </a:rPr>
+              <a:t>Northern</a:t>
+            </a:r>
+          </a:p>
+        </p:txBody>
+      </p:sp>
+      <p:sp>
+        <p:nvSpPr>
+          <p:cNvPr id="6" name="TextBox 5">
+            <a:extLst>
+              <a:ext uri="{FF2B5EF4-FFF2-40B4-BE49-F238E27FC236}">
+                <a16:creationId xmlns:a16="http://schemas.microsoft.com/office/drawing/2014/main" id="{8E26581F-5E16-33C7-B867-B0F1BDBBC7DF}"/>
+              </a:ext>
+            </a:extLst>
+          </p:cNvPr>
+          <p:cNvSpPr txBox="1"/>
+          <p:nvPr/>
+        </p:nvSpPr>
+        <p:spPr>
+          <a:xfrm>
+            <a:off x="3662001" y="11080893"/>
+            <a:ext cx="962991" cy="246221"/>
+          </a:xfrm>
+          <a:prstGeom prst="rect">
+            <a:avLst/>
+          </a:prstGeom>
+          <a:noFill/>
+        </p:spPr>
+        <p:txBody>
+          <a:bodyPr wrap="square" rtlCol="0">
+            <a:spAutoFit/>
+          </a:bodyPr>
+          <a:lstStyle/>
+          <a:p>
+            <a:pPr algn="ctr"/>
+            <a:r>
+              <a:rPr lang="en-US" sz="1000" dirty="0">
+                <a:latin typeface="Helvetica" pitchFamily="2" charset="0"/>
+              </a:rPr>
+              <a:t>Polyculture</a:t>
+            </a:r>
+          </a:p>
+        </p:txBody>
+      </p:sp>
+      <p:sp>
+        <p:nvSpPr>
+          <p:cNvPr id="10" name="Right Bracket 9">
+            <a:extLst>
+              <a:ext uri="{FF2B5EF4-FFF2-40B4-BE49-F238E27FC236}">
+                <a16:creationId xmlns:a16="http://schemas.microsoft.com/office/drawing/2014/main" id="{C2AEDF36-2146-A77A-D829-A35666C45AAE}"/>
+              </a:ext>
+            </a:extLst>
+          </p:cNvPr>
+          <p:cNvSpPr/>
+          <p:nvPr/>
+        </p:nvSpPr>
+        <p:spPr>
+          <a:xfrm rot="5400000">
+            <a:off x="4108338" y="10475637"/>
+            <a:ext cx="64008" cy="1209254"/>
+          </a:xfrm>
+          <a:prstGeom prst="rightBracket">
+            <a:avLst/>
+          </a:prstGeom>
+          <a:noFill/>
+          <a:ln w="12700">
+            <a:solidFill>
+              <a:schemeClr val="tx1"/>
+            </a:solidFill>
+          </a:ln>
+        </p:spPr>
+        <p:style>
+          <a:lnRef idx="2">
+            <a:schemeClr val="accent1"/>
+          </a:lnRef>
+          <a:fillRef idx="0">
+            <a:schemeClr val="accent1"/>
+          </a:fillRef>
+          <a:effectRef idx="1">
+            <a:schemeClr val="accent1"/>
+          </a:effectRef>
+          <a:fontRef idx="minor">
+            <a:schemeClr val="tx1"/>
+          </a:fontRef>
+        </p:style>
+        <p:txBody>
+          <a:bodyPr rtlCol="0" anchor="ctr"/>
+          <a:lstStyle/>
+          <a:p>
+            <a:pPr algn="ctr"/>
+            <a:endParaRPr lang="en-US" sz="1200"/>
+          </a:p>
+        </p:txBody>
+      </p:sp>
+      <p:sp>
+        <p:nvSpPr>
+          <p:cNvPr id="11" name="Right Bracket 10">
+            <a:extLst>
+              <a:ext uri="{FF2B5EF4-FFF2-40B4-BE49-F238E27FC236}">
+                <a16:creationId xmlns:a16="http://schemas.microsoft.com/office/drawing/2014/main" id="{F76D7659-233F-DEB7-7D2D-DAD1D583B245}"/>
+              </a:ext>
+            </a:extLst>
+          </p:cNvPr>
+          <p:cNvSpPr/>
+          <p:nvPr/>
+        </p:nvSpPr>
+        <p:spPr>
+          <a:xfrm rot="5400000">
+            <a:off x="3200885" y="10799338"/>
+            <a:ext cx="63304" cy="563110"/>
+          </a:xfrm>
+          <a:prstGeom prst="rightBracket">
+            <a:avLst/>
+          </a:prstGeom>
+          <a:noFill/>
+          <a:ln w="12700">
+            <a:solidFill>
+              <a:schemeClr val="tx1"/>
+            </a:solidFill>
+          </a:ln>
+        </p:spPr>
+        <p:style>
+          <a:lnRef idx="2">
+            <a:schemeClr val="accent1"/>
+          </a:lnRef>
+          <a:fillRef idx="0">
+            <a:schemeClr val="accent1"/>
+          </a:fillRef>
+          <a:effectRef idx="1">
+            <a:schemeClr val="accent1"/>
+          </a:effectRef>
+          <a:fontRef idx="minor">
+            <a:schemeClr val="tx1"/>
+          </a:fontRef>
+        </p:style>
+        <p:txBody>
+          <a:bodyPr rtlCol="0" anchor="ctr"/>
+          <a:lstStyle/>
+          <a:p>
+            <a:pPr algn="ctr"/>
+            <a:endParaRPr lang="en-US" sz="1200"/>
+          </a:p>
+        </p:txBody>
+      </p:sp>
+      <p:sp>
+        <p:nvSpPr>
+          <p:cNvPr id="15" name="Right Bracket 14">
+            <a:extLst>
+              <a:ext uri="{FF2B5EF4-FFF2-40B4-BE49-F238E27FC236}">
+                <a16:creationId xmlns:a16="http://schemas.microsoft.com/office/drawing/2014/main" id="{C2861F7B-0A6E-DCC6-4168-6935EB08C6CC}"/>
+              </a:ext>
+            </a:extLst>
+          </p:cNvPr>
+          <p:cNvSpPr/>
+          <p:nvPr/>
+        </p:nvSpPr>
+        <p:spPr>
+          <a:xfrm rot="5400000">
+            <a:off x="1444126" y="10596332"/>
+            <a:ext cx="57171" cy="962992"/>
+          </a:xfrm>
+          <a:prstGeom prst="rightBracket">
+            <a:avLst/>
+          </a:prstGeom>
+          <a:noFill/>
+          <a:ln w="12700">
+            <a:solidFill>
+              <a:schemeClr val="tx1"/>
+            </a:solidFill>
+          </a:ln>
+        </p:spPr>
+        <p:style>
+          <a:lnRef idx="2">
+            <a:schemeClr val="accent1"/>
+          </a:lnRef>
+          <a:fillRef idx="0">
+            <a:schemeClr val="accent1"/>
+          </a:fillRef>
+          <a:effectRef idx="1">
+            <a:schemeClr val="accent1"/>
+          </a:effectRef>
+          <a:fontRef idx="minor">
+            <a:schemeClr val="tx1"/>
+          </a:fontRef>
+        </p:style>
+        <p:txBody>
+          <a:bodyPr rtlCol="0" anchor="ctr"/>
+          <a:lstStyle/>
+          <a:p>
+            <a:pPr algn="ctr"/>
+            <a:endParaRPr lang="en-US" sz="1200"/>
+          </a:p>
+        </p:txBody>
+      </p:sp>
+      <p:sp>
+        <p:nvSpPr>
+          <p:cNvPr id="19" name="Right Bracket 18">
+            <a:extLst>
+              <a:ext uri="{FF2B5EF4-FFF2-40B4-BE49-F238E27FC236}">
+                <a16:creationId xmlns:a16="http://schemas.microsoft.com/office/drawing/2014/main" id="{981E1424-FA01-B756-BE10-FBE227DA6C2C}"/>
+              </a:ext>
+            </a:extLst>
+          </p:cNvPr>
+          <p:cNvSpPr/>
+          <p:nvPr/>
+        </p:nvSpPr>
+        <p:spPr>
+          <a:xfrm rot="5400000">
+            <a:off x="2420592" y="10600730"/>
+            <a:ext cx="64008" cy="953525"/>
+          </a:xfrm>
+          <a:prstGeom prst="rightBracket">
+            <a:avLst/>
+          </a:prstGeom>
+          <a:noFill/>
+          <a:ln w="12700">
+            <a:solidFill>
+              <a:schemeClr val="tx1"/>
+            </a:solidFill>
+          </a:ln>
+        </p:spPr>
+        <p:style>
+          <a:lnRef idx="2">
+            <a:schemeClr val="accent1"/>
+          </a:lnRef>
+          <a:fillRef idx="0">
+            <a:schemeClr val="accent1"/>
+          </a:fillRef>
+          <a:effectRef idx="1">
+            <a:schemeClr val="accent1"/>
+          </a:effectRef>
+          <a:fontRef idx="minor">
+            <a:schemeClr val="tx1"/>
+          </a:fontRef>
+        </p:style>
+        <p:txBody>
+          <a:bodyPr rtlCol="0" anchor="ctr"/>
+          <a:lstStyle/>
+          <a:p>
+            <a:pPr algn="ctr"/>
+            <a:endParaRPr lang="en-US" sz="1200"/>
+          </a:p>
+        </p:txBody>
+      </p:sp>
+      <p:sp>
+        <p:nvSpPr>
+          <p:cNvPr id="20" name="TextBox 19">
+            <a:extLst>
+              <a:ext uri="{FF2B5EF4-FFF2-40B4-BE49-F238E27FC236}">
+                <a16:creationId xmlns:a16="http://schemas.microsoft.com/office/drawing/2014/main" id="{B9ED2A46-BA4C-E772-E0D3-9E981741AFC0}"/>
+              </a:ext>
+            </a:extLst>
+          </p:cNvPr>
+          <p:cNvSpPr txBox="1"/>
+          <p:nvPr/>
+        </p:nvSpPr>
+        <p:spPr>
+          <a:xfrm>
+            <a:off x="182880" y="54529"/>
+            <a:ext cx="396241" cy="307777"/>
+          </a:xfrm>
+          <a:prstGeom prst="rect">
+            <a:avLst/>
+          </a:prstGeom>
+          <a:noFill/>
+        </p:spPr>
+        <p:txBody>
+          <a:bodyPr wrap="square" rtlCol="0">
+            <a:spAutoFit/>
+          </a:bodyPr>
+          <a:lstStyle/>
+          <a:p>
+            <a:pPr algn="ctr"/>
+            <a:r>
+              <a:rPr lang="en-US" sz="1400" dirty="0">
+                <a:latin typeface="Helvetica" pitchFamily="2" charset="0"/>
+              </a:rPr>
+              <a:t>A</a:t>
+            </a:r>
+          </a:p>
+        </p:txBody>
+      </p:sp>
+      <p:sp>
+        <p:nvSpPr>
+          <p:cNvPr id="38" name="TextBox 37">
+            <a:extLst>
+              <a:ext uri="{FF2B5EF4-FFF2-40B4-BE49-F238E27FC236}">
+                <a16:creationId xmlns:a16="http://schemas.microsoft.com/office/drawing/2014/main" id="{C3287E11-FFD4-661B-5937-F03352B4D0FD}"/>
+              </a:ext>
+            </a:extLst>
+          </p:cNvPr>
+          <p:cNvSpPr txBox="1"/>
+          <p:nvPr/>
+        </p:nvSpPr>
+        <p:spPr>
+          <a:xfrm>
+            <a:off x="182880" y="7494498"/>
+            <a:ext cx="396241" cy="307777"/>
+          </a:xfrm>
+          <a:prstGeom prst="rect">
+            <a:avLst/>
+          </a:prstGeom>
+          <a:noFill/>
+        </p:spPr>
+        <p:txBody>
+          <a:bodyPr wrap="square" rtlCol="0">
+            <a:spAutoFit/>
+          </a:bodyPr>
+          <a:lstStyle/>
+          <a:p>
+            <a:pPr algn="ctr"/>
+            <a:r>
+              <a:rPr lang="en-US" sz="1400" dirty="0">
+                <a:latin typeface="Helvetica" pitchFamily="2" charset="0"/>
+              </a:rPr>
+              <a:t>C</a:t>
+            </a:r>
+          </a:p>
+        </p:txBody>
+      </p:sp>
+      <p:sp>
+        <p:nvSpPr>
+          <p:cNvPr id="33" name="TextBox 32">
+            <a:extLst>
+              <a:ext uri="{FF2B5EF4-FFF2-40B4-BE49-F238E27FC236}">
+                <a16:creationId xmlns:a16="http://schemas.microsoft.com/office/drawing/2014/main" id="{28F75816-2DA9-ECF4-61A3-5CB23407010B}"/>
+              </a:ext>
+            </a:extLst>
+          </p:cNvPr>
+          <p:cNvSpPr txBox="1"/>
+          <p:nvPr/>
+        </p:nvSpPr>
+        <p:spPr>
+          <a:xfrm>
+            <a:off x="1934211" y="8040331"/>
+            <a:ext cx="1903468" cy="246221"/>
+          </a:xfrm>
+          <a:prstGeom prst="rect">
+            <a:avLst/>
+          </a:prstGeom>
+          <a:noFill/>
+        </p:spPr>
+        <p:txBody>
+          <a:bodyPr wrap="square" rtlCol="0">
+            <a:spAutoFit/>
+          </a:bodyPr>
+          <a:lstStyle/>
+          <a:p>
+            <a:pPr algn="ctr"/>
+            <a:r>
+              <a:rPr lang="en-US" sz="1000" dirty="0">
+                <a:latin typeface="Helvetica" pitchFamily="2" charset="0"/>
+              </a:rPr>
+              <a:t>Pairwise comparison levels</a:t>
+            </a:r>
+          </a:p>
+        </p:txBody>
+      </p:sp>
+      <p:sp>
+        <p:nvSpPr>
+          <p:cNvPr id="34" name="TextBox 33">
+            <a:extLst>
+              <a:ext uri="{FF2B5EF4-FFF2-40B4-BE49-F238E27FC236}">
+                <a16:creationId xmlns:a16="http://schemas.microsoft.com/office/drawing/2014/main" id="{C83BE82D-CD34-86C7-4A99-A2381796A6A2}"/>
+              </a:ext>
+            </a:extLst>
+          </p:cNvPr>
+          <p:cNvSpPr txBox="1"/>
+          <p:nvPr/>
+        </p:nvSpPr>
+        <p:spPr>
+          <a:xfrm>
+            <a:off x="1899127" y="4131757"/>
+            <a:ext cx="1903468" cy="246221"/>
+          </a:xfrm>
+          <a:prstGeom prst="rect">
+            <a:avLst/>
+          </a:prstGeom>
+          <a:noFill/>
+        </p:spPr>
+        <p:txBody>
+          <a:bodyPr wrap="square" rtlCol="0">
+            <a:spAutoFit/>
+          </a:bodyPr>
+          <a:lstStyle/>
+          <a:p>
+            <a:pPr algn="ctr"/>
+            <a:r>
+              <a:rPr lang="en-US" sz="1000" dirty="0">
+                <a:latin typeface="Helvetica" pitchFamily="2" charset="0"/>
+              </a:rPr>
+              <a:t>Pairwise comparison levels</a:t>
+            </a:r>
+          </a:p>
+        </p:txBody>
+      </p:sp>
+      <p:sp>
+        <p:nvSpPr>
+          <p:cNvPr id="35" name="Rectangle 34">
+            <a:extLst>
+              <a:ext uri="{FF2B5EF4-FFF2-40B4-BE49-F238E27FC236}">
+                <a16:creationId xmlns:a16="http://schemas.microsoft.com/office/drawing/2014/main" id="{38AD5A19-25D7-4606-BCC2-EB4395C675B2}"/>
+              </a:ext>
+            </a:extLst>
+          </p:cNvPr>
+          <p:cNvSpPr/>
+          <p:nvPr/>
+        </p:nvSpPr>
+        <p:spPr>
+          <a:xfrm>
+            <a:off x="724015" y="4179122"/>
+            <a:ext cx="312665" cy="623813"/>
+          </a:xfrm>
+          <a:prstGeom prst="rect">
+            <a:avLst/>
+          </a:prstGeom>
+          <a:solidFill>
+            <a:schemeClr val="bg1"/>
+          </a:solidFill>
+          <a:ln>
+            <a:solidFill>
+              <a:schemeClr val="bg1"/>
+            </a:solidFill>
+          </a:ln>
+        </p:spPr>
+        <p:style>
+          <a:lnRef idx="2">
+            <a:schemeClr val="accent1">
+              <a:shade val="15000"/>
+            </a:schemeClr>
+          </a:lnRef>
+          <a:fillRef idx="1">
+            <a:schemeClr val="accent1"/>
+          </a:fillRef>
+          <a:effectRef idx="0">
+            <a:schemeClr val="accent1"/>
+          </a:effectRef>
+          <a:fontRef idx="minor">
+            <a:schemeClr val="lt1"/>
+          </a:fontRef>
+        </p:style>
+        <p:txBody>
+          <a:bodyPr rtlCol="0" anchor="ctr"/>
+          <a:lstStyle/>
+          <a:p>
+            <a:pPr algn="ctr"/>
+            <a:endParaRPr lang="en-US" sz="1200"/>
           </a:p>
         </p:txBody>
       </p:sp>
